--- a/FunctionAppIntroduction.pptx
+++ b/FunctionAppIntroduction.pptx
@@ -5,7 +5,7 @@
     <p:sldMasterId id="2147483660" r:id="rId1"/>
   </p:sldMasterIdLst>
   <p:notesMasterIdLst>
-    <p:notesMasterId r:id="rId22"/>
+    <p:notesMasterId r:id="rId27"/>
   </p:notesMasterIdLst>
   <p:sldIdLst>
     <p:sldId id="256" r:id="rId2"/>
@@ -14,20 +14,25 @@
     <p:sldId id="259" r:id="rId5"/>
     <p:sldId id="273" r:id="rId6"/>
     <p:sldId id="261" r:id="rId7"/>
-    <p:sldId id="260" r:id="rId8"/>
-    <p:sldId id="262" r:id="rId9"/>
-    <p:sldId id="271" r:id="rId10"/>
-    <p:sldId id="272" r:id="rId11"/>
-    <p:sldId id="275" r:id="rId12"/>
-    <p:sldId id="263" r:id="rId13"/>
-    <p:sldId id="265" r:id="rId14"/>
-    <p:sldId id="266" r:id="rId15"/>
-    <p:sldId id="267" r:id="rId16"/>
-    <p:sldId id="268" r:id="rId17"/>
-    <p:sldId id="269" r:id="rId18"/>
-    <p:sldId id="264" r:id="rId19"/>
-    <p:sldId id="270" r:id="rId20"/>
-    <p:sldId id="274" r:id="rId21"/>
+    <p:sldId id="276" r:id="rId8"/>
+    <p:sldId id="260" r:id="rId9"/>
+    <p:sldId id="262" r:id="rId10"/>
+    <p:sldId id="271" r:id="rId11"/>
+    <p:sldId id="277" r:id="rId12"/>
+    <p:sldId id="275" r:id="rId13"/>
+    <p:sldId id="272" r:id="rId14"/>
+    <p:sldId id="263" r:id="rId15"/>
+    <p:sldId id="265" r:id="rId16"/>
+    <p:sldId id="266" r:id="rId17"/>
+    <p:sldId id="267" r:id="rId18"/>
+    <p:sldId id="268" r:id="rId19"/>
+    <p:sldId id="269" r:id="rId20"/>
+    <p:sldId id="264" r:id="rId21"/>
+    <p:sldId id="270" r:id="rId22"/>
+    <p:sldId id="278" r:id="rId23"/>
+    <p:sldId id="279" r:id="rId24"/>
+    <p:sldId id="274" r:id="rId25"/>
+    <p:sldId id="280" r:id="rId26"/>
   </p:sldIdLst>
   <p:sldSz cx="12192000" cy="6858000"/>
   <p:notesSz cx="6858000" cy="9144000"/>
@@ -137,11 +142,13 @@
             <p14:sldId id="259"/>
             <p14:sldId id="273"/>
             <p14:sldId id="261"/>
+            <p14:sldId id="276"/>
             <p14:sldId id="260"/>
             <p14:sldId id="262"/>
             <p14:sldId id="271"/>
+            <p14:sldId id="277"/>
+            <p14:sldId id="275"/>
             <p14:sldId id="272"/>
-            <p14:sldId id="275"/>
             <p14:sldId id="263"/>
             <p14:sldId id="265"/>
             <p14:sldId id="266"/>
@@ -150,7 +157,10 @@
             <p14:sldId id="269"/>
             <p14:sldId id="264"/>
             <p14:sldId id="270"/>
+            <p14:sldId id="278"/>
+            <p14:sldId id="279"/>
             <p14:sldId id="274"/>
+            <p14:sldId id="280"/>
           </p14:sldIdLst>
         </p14:section>
       </p14:sectionLst>
@@ -244,7 +254,7 @@
           <a:p>
             <a:fld id="{EFAD4B83-DF22-46E1-9F64-F435DE3C5AD1}" type="datetimeFigureOut">
               <a:rPr lang="de-DE" smtClean="0"/>
-              <a:t>13.11.2018</a:t>
+              <a:t>14.11.2018</a:t>
             </a:fld>
             <a:endParaRPr lang="de-DE"/>
           </a:p>
@@ -556,16 +566,6 @@
           <a:bodyPr/>
           <a:lstStyle/>
           <a:p>
-            <a:r>
-              <a:rPr lang="en-US" dirty="0" err="1"/>
-              <a:t>Warum</a:t>
-            </a:r>
-            <a:r>
-              <a:rPr lang="en-US" dirty="0"/>
-              <a:t> serverless?</a:t>
-            </a:r>
-          </a:p>
-          <a:p>
             <a:endParaRPr lang="de-DE" dirty="0"/>
           </a:p>
         </p:txBody>
@@ -587,7 +587,7 @@
           <a:p>
             <a:fld id="{9475F555-845C-4CFD-BBD9-30DCAD9375F8}" type="slidenum">
               <a:rPr lang="de-DE" smtClean="0"/>
-              <a:t>4</a:t>
+              <a:t>1</a:t>
             </a:fld>
             <a:endParaRPr lang="de-DE"/>
           </a:p>
@@ -596,7 +596,7 @@
     </p:spTree>
     <p:extLst>
       <p:ext uri="{BB962C8B-B14F-4D97-AF65-F5344CB8AC3E}">
-        <p14:creationId xmlns:p14="http://schemas.microsoft.com/office/powerpoint/2010/main" val="3404601531"/>
+        <p14:creationId xmlns:p14="http://schemas.microsoft.com/office/powerpoint/2010/main" val="4016000533"/>
       </p:ext>
     </p:extLst>
   </p:cSld>
@@ -681,7 +681,7 @@
           <a:p>
             <a:fld id="{9475F555-845C-4CFD-BBD9-30DCAD9375F8}" type="slidenum">
               <a:rPr lang="de-DE" smtClean="0"/>
-              <a:t>5</a:t>
+              <a:t>4</a:t>
             </a:fld>
             <a:endParaRPr lang="de-DE"/>
           </a:p>
@@ -690,7 +690,7 @@
     </p:spTree>
     <p:extLst>
       <p:ext uri="{BB962C8B-B14F-4D97-AF65-F5344CB8AC3E}">
-        <p14:creationId xmlns:p14="http://schemas.microsoft.com/office/powerpoint/2010/main" val="3050179692"/>
+        <p14:creationId xmlns:p14="http://schemas.microsoft.com/office/powerpoint/2010/main" val="3404601531"/>
       </p:ext>
     </p:extLst>
   </p:cSld>
@@ -745,12 +745,102 @@
           <a:lstStyle/>
           <a:p>
             <a:r>
-              <a:rPr lang="en-US" dirty="0" err="1"/>
-              <a:t>Warum</a:t>
-            </a:r>
-            <a:r>
               <a:rPr lang="en-US" dirty="0"/>
-              <a:t> serverless?</a:t>
+              <a:t>Platforms</a:t>
+            </a:r>
+          </a:p>
+          <a:p>
+            <a:r>
+              <a:rPr lang="en-US" dirty="0"/>
+              <a:t>Service models</a:t>
+            </a:r>
+            <a:endParaRPr lang="de-DE" dirty="0"/>
+          </a:p>
+        </p:txBody>
+      </p:sp>
+      <p:sp>
+        <p:nvSpPr>
+          <p:cNvPr id="4" name="Slide Number Placeholder 3"/>
+          <p:cNvSpPr>
+            <a:spLocks noGrp="1"/>
+          </p:cNvSpPr>
+          <p:nvPr>
+            <p:ph type="sldNum" sz="quarter" idx="5"/>
+          </p:nvPr>
+        </p:nvSpPr>
+        <p:spPr/>
+        <p:txBody>
+          <a:bodyPr/>
+          <a:lstStyle/>
+          <a:p>
+            <a:fld id="{9475F555-845C-4CFD-BBD9-30DCAD9375F8}" type="slidenum">
+              <a:rPr lang="de-DE" smtClean="0"/>
+              <a:t>5</a:t>
+            </a:fld>
+            <a:endParaRPr lang="de-DE"/>
+          </a:p>
+        </p:txBody>
+      </p:sp>
+    </p:spTree>
+    <p:extLst>
+      <p:ext uri="{BB962C8B-B14F-4D97-AF65-F5344CB8AC3E}">
+        <p14:creationId xmlns:p14="http://schemas.microsoft.com/office/powerpoint/2010/main" val="3050179692"/>
+      </p:ext>
+    </p:extLst>
+  </p:cSld>
+  <p:clrMapOvr>
+    <a:masterClrMapping/>
+  </p:clrMapOvr>
+</p:notes>
+</file>
+
+<file path=ppt/notesSlides/notesSlide4.xml><?xml version="1.0" encoding="utf-8"?>
+<p:notes xmlns:a="http://schemas.openxmlformats.org/drawingml/2006/main" xmlns:r="http://schemas.openxmlformats.org/officeDocument/2006/relationships" xmlns:p="http://schemas.openxmlformats.org/presentationml/2006/main">
+  <p:cSld>
+    <p:spTree>
+      <p:nvGrpSpPr>
+        <p:cNvPr id="1" name=""/>
+        <p:cNvGrpSpPr/>
+        <p:nvPr/>
+      </p:nvGrpSpPr>
+      <p:grpSpPr>
+        <a:xfrm>
+          <a:off x="0" y="0"/>
+          <a:ext cx="0" cy="0"/>
+          <a:chOff x="0" y="0"/>
+          <a:chExt cx="0" cy="0"/>
+        </a:xfrm>
+      </p:grpSpPr>
+      <p:sp>
+        <p:nvSpPr>
+          <p:cNvPr id="2" name="Slide Image Placeholder 1"/>
+          <p:cNvSpPr>
+            <a:spLocks noGrp="1" noRot="1" noChangeAspect="1"/>
+          </p:cNvSpPr>
+          <p:nvPr>
+            <p:ph type="sldImg"/>
+          </p:nvPr>
+        </p:nvSpPr>
+        <p:spPr/>
+      </p:sp>
+      <p:sp>
+        <p:nvSpPr>
+          <p:cNvPr id="3" name="Notes Placeholder 2"/>
+          <p:cNvSpPr>
+            <a:spLocks noGrp="1"/>
+          </p:cNvSpPr>
+          <p:nvPr>
+            <p:ph type="body" idx="1"/>
+          </p:nvPr>
+        </p:nvSpPr>
+        <p:spPr/>
+        <p:txBody>
+          <a:bodyPr/>
+          <a:lstStyle/>
+          <a:p>
+            <a:r>
+              <a:rPr lang="en-US" dirty="0"/>
+              <a:t>Serverless platform</a:t>
             </a:r>
           </a:p>
           <a:p>
@@ -785,6 +875,100 @@
     <p:extLst>
       <p:ext uri="{BB962C8B-B14F-4D97-AF65-F5344CB8AC3E}">
         <p14:creationId xmlns:p14="http://schemas.microsoft.com/office/powerpoint/2010/main" val="1454807961"/>
+      </p:ext>
+    </p:extLst>
+  </p:cSld>
+  <p:clrMapOvr>
+    <a:masterClrMapping/>
+  </p:clrMapOvr>
+</p:notes>
+</file>
+
+<file path=ppt/notesSlides/notesSlide5.xml><?xml version="1.0" encoding="utf-8"?>
+<p:notes xmlns:a="http://schemas.openxmlformats.org/drawingml/2006/main" xmlns:r="http://schemas.openxmlformats.org/officeDocument/2006/relationships" xmlns:p="http://schemas.openxmlformats.org/presentationml/2006/main">
+  <p:cSld>
+    <p:spTree>
+      <p:nvGrpSpPr>
+        <p:cNvPr id="1" name=""/>
+        <p:cNvGrpSpPr/>
+        <p:nvPr/>
+      </p:nvGrpSpPr>
+      <p:grpSpPr>
+        <a:xfrm>
+          <a:off x="0" y="0"/>
+          <a:ext cx="0" cy="0"/>
+          <a:chOff x="0" y="0"/>
+          <a:chExt cx="0" cy="0"/>
+        </a:xfrm>
+      </p:grpSpPr>
+      <p:sp>
+        <p:nvSpPr>
+          <p:cNvPr id="2" name="Slide Image Placeholder 1"/>
+          <p:cNvSpPr>
+            <a:spLocks noGrp="1" noRot="1" noChangeAspect="1"/>
+          </p:cNvSpPr>
+          <p:nvPr>
+            <p:ph type="sldImg"/>
+          </p:nvPr>
+        </p:nvSpPr>
+        <p:spPr/>
+      </p:sp>
+      <p:sp>
+        <p:nvSpPr>
+          <p:cNvPr id="3" name="Notes Placeholder 2"/>
+          <p:cNvSpPr>
+            <a:spLocks noGrp="1"/>
+          </p:cNvSpPr>
+          <p:nvPr>
+            <p:ph type="body" idx="1"/>
+          </p:nvPr>
+        </p:nvSpPr>
+        <p:spPr/>
+        <p:txBody>
+          <a:bodyPr/>
+          <a:lstStyle/>
+          <a:p>
+            <a:r>
+              <a:rPr lang="en-US" dirty="0" err="1"/>
+              <a:t>Warum</a:t>
+            </a:r>
+            <a:r>
+              <a:rPr lang="en-US" dirty="0"/>
+              <a:t> serverless?</a:t>
+            </a:r>
+          </a:p>
+          <a:p>
+            <a:endParaRPr lang="de-DE" dirty="0"/>
+          </a:p>
+        </p:txBody>
+      </p:sp>
+      <p:sp>
+        <p:nvSpPr>
+          <p:cNvPr id="4" name="Slide Number Placeholder 3"/>
+          <p:cNvSpPr>
+            <a:spLocks noGrp="1"/>
+          </p:cNvSpPr>
+          <p:nvPr>
+            <p:ph type="sldNum" sz="quarter" idx="5"/>
+          </p:nvPr>
+        </p:nvSpPr>
+        <p:spPr/>
+        <p:txBody>
+          <a:bodyPr/>
+          <a:lstStyle/>
+          <a:p>
+            <a:fld id="{9475F555-845C-4CFD-BBD9-30DCAD9375F8}" type="slidenum">
+              <a:rPr lang="de-DE" smtClean="0"/>
+              <a:t>7</a:t>
+            </a:fld>
+            <a:endParaRPr lang="de-DE"/>
+          </a:p>
+        </p:txBody>
+      </p:sp>
+    </p:spTree>
+    <p:extLst>
+      <p:ext uri="{BB962C8B-B14F-4D97-AF65-F5344CB8AC3E}">
+        <p14:creationId xmlns:p14="http://schemas.microsoft.com/office/powerpoint/2010/main" val="3287301923"/>
       </p:ext>
     </p:extLst>
   </p:cSld>
@@ -925,7 +1109,7 @@
           <a:p>
             <a:fld id="{60BDE4E4-E168-4921-92C6-D66EEA8504F0}" type="datetimeFigureOut">
               <a:rPr lang="de-DE" smtClean="0"/>
-              <a:t>13.11.2018</a:t>
+              <a:t>14.11.2018</a:t>
             </a:fld>
             <a:endParaRPr lang="de-DE"/>
           </a:p>
@@ -1222,7 +1406,7 @@
           <a:p>
             <a:fld id="{60BDE4E4-E168-4921-92C6-D66EEA8504F0}" type="datetimeFigureOut">
               <a:rPr lang="de-DE" smtClean="0"/>
-              <a:t>13.11.2018</a:t>
+              <a:t>14.11.2018</a:t>
             </a:fld>
             <a:endParaRPr lang="de-DE"/>
           </a:p>
@@ -1492,7 +1676,7 @@
           <a:p>
             <a:fld id="{60BDE4E4-E168-4921-92C6-D66EEA8504F0}" type="datetimeFigureOut">
               <a:rPr lang="de-DE" smtClean="0"/>
-              <a:t>13.11.2018</a:t>
+              <a:t>14.11.2018</a:t>
             </a:fld>
             <a:endParaRPr lang="de-DE"/>
           </a:p>
@@ -1675,7 +1859,7 @@
           <a:p>
             <a:fld id="{60BDE4E4-E168-4921-92C6-D66EEA8504F0}" type="datetimeFigureOut">
               <a:rPr lang="de-DE" smtClean="0"/>
-              <a:t>13.11.2018</a:t>
+              <a:t>14.11.2018</a:t>
             </a:fld>
             <a:endParaRPr lang="de-DE"/>
           </a:p>
@@ -2043,7 +2227,7 @@
           <a:p>
             <a:fld id="{60BDE4E4-E168-4921-92C6-D66EEA8504F0}" type="datetimeFigureOut">
               <a:rPr lang="de-DE" smtClean="0"/>
-              <a:t>13.11.2018</a:t>
+              <a:t>14.11.2018</a:t>
             </a:fld>
             <a:endParaRPr lang="de-DE"/>
           </a:p>
@@ -2402,7 +2586,7 @@
           <a:p>
             <a:fld id="{60BDE4E4-E168-4921-92C6-D66EEA8504F0}" type="datetimeFigureOut">
               <a:rPr lang="de-DE" smtClean="0"/>
-              <a:t>13.11.2018</a:t>
+              <a:t>14.11.2018</a:t>
             </a:fld>
             <a:endParaRPr lang="de-DE"/>
           </a:p>
@@ -2891,7 +3075,7 @@
           <a:p>
             <a:fld id="{60BDE4E4-E168-4921-92C6-D66EEA8504F0}" type="datetimeFigureOut">
               <a:rPr lang="de-DE" smtClean="0"/>
-              <a:t>13.11.2018</a:t>
+              <a:t>14.11.2018</a:t>
             </a:fld>
             <a:endParaRPr lang="de-DE"/>
           </a:p>
@@ -3136,7 +3320,7 @@
           <a:p>
             <a:fld id="{60BDE4E4-E168-4921-92C6-D66EEA8504F0}" type="datetimeFigureOut">
               <a:rPr lang="de-DE" smtClean="0"/>
-              <a:t>13.11.2018</a:t>
+              <a:t>14.11.2018</a:t>
             </a:fld>
             <a:endParaRPr lang="de-DE"/>
           </a:p>
@@ -3393,7 +3577,7 @@
           <a:p>
             <a:fld id="{60BDE4E4-E168-4921-92C6-D66EEA8504F0}" type="datetimeFigureOut">
               <a:rPr lang="de-DE" smtClean="0"/>
-              <a:t>13.11.2018</a:t>
+              <a:t>14.11.2018</a:t>
             </a:fld>
             <a:endParaRPr lang="de-DE"/>
           </a:p>
@@ -3804,7 +3988,7 @@
           <a:p>
             <a:fld id="{60BDE4E4-E168-4921-92C6-D66EEA8504F0}" type="datetimeFigureOut">
               <a:rPr lang="de-DE" smtClean="0"/>
-              <a:t>13.11.2018</a:t>
+              <a:t>14.11.2018</a:t>
             </a:fld>
             <a:endParaRPr lang="de-DE"/>
           </a:p>
@@ -4183,7 +4367,7 @@
           <a:p>
             <a:fld id="{60BDE4E4-E168-4921-92C6-D66EEA8504F0}" type="datetimeFigureOut">
               <a:rPr lang="de-DE" smtClean="0"/>
-              <a:t>13.11.2018</a:t>
+              <a:t>14.11.2018</a:t>
             </a:fld>
             <a:endParaRPr lang="de-DE"/>
           </a:p>
@@ -4519,7 +4703,7 @@
           <a:p>
             <a:fld id="{60BDE4E4-E168-4921-92C6-D66EEA8504F0}" type="datetimeFigureOut">
               <a:rPr lang="de-DE" smtClean="0"/>
-              <a:t>13.11.2018</a:t>
+              <a:t>14.11.2018</a:t>
             </a:fld>
             <a:endParaRPr lang="de-DE"/>
           </a:p>
@@ -5002,7 +5186,7 @@
           <p:nvPr/>
         </p:nvPicPr>
         <p:blipFill>
-          <a:blip r:embed="rId2" cstate="print">
+          <a:blip r:embed="rId3" cstate="print">
             <a:extLst>
               <a:ext uri="{28A0092B-C50C-407E-A947-70E740481C1C}">
                 <a14:useLocalDpi xmlns:a14="http://schemas.microsoft.com/office/drawing/2010/main" val="0"/>
@@ -5083,263 +5267,30 @@
           <a:p>
             <a:pPr algn="ctr"/>
             <a:r>
+              <a:rPr lang="de-DE" sz="3600" dirty="0" err="1"/>
+              <a:t>How</a:t>
+            </a:r>
+            <a:r>
               <a:rPr lang="de-DE" sz="3600" dirty="0"/>
-              <a:t>Azure </a:t>
+              <a:t> Azure </a:t>
             </a:r>
             <a:r>
               <a:rPr lang="de-DE" sz="3600" dirty="0" err="1"/>
-              <a:t>functions</a:t>
+              <a:t>Functions</a:t>
             </a:r>
             <a:r>
               <a:rPr lang="de-DE" sz="3600" dirty="0"/>
-              <a:t> Hosting</a:t>
-            </a:r>
-          </a:p>
-        </p:txBody>
-      </p:sp>
-      <p:sp>
-        <p:nvSpPr>
-          <p:cNvPr id="3" name="TextBox 2">
-            <a:extLst>
-              <a:ext uri="{FF2B5EF4-FFF2-40B4-BE49-F238E27FC236}">
-                <a16:creationId xmlns:a16="http://schemas.microsoft.com/office/drawing/2014/main" id="{549D35D0-5E98-48FE-8F48-A4DB81774BF2}"/>
-              </a:ext>
-            </a:extLst>
-          </p:cNvPr>
-          <p:cNvSpPr txBox="1"/>
-          <p:nvPr/>
-        </p:nvSpPr>
-        <p:spPr>
-          <a:xfrm>
-            <a:off x="753139" y="2130374"/>
-            <a:ext cx="2010487" cy="369332"/>
-          </a:xfrm>
-          <a:prstGeom prst="rect">
-            <a:avLst/>
-          </a:prstGeom>
-          <a:noFill/>
-        </p:spPr>
-        <p:txBody>
-          <a:bodyPr wrap="none" rtlCol="0">
-            <a:spAutoFit/>
-          </a:bodyPr>
-          <a:lstStyle/>
-          <a:p>
-            <a:r>
-              <a:rPr lang="de-DE" b="1" dirty="0" err="1"/>
-              <a:t>Consumption</a:t>
-            </a:r>
-            <a:r>
-              <a:rPr lang="de-DE" b="1" dirty="0"/>
-              <a:t> plan</a:t>
-            </a:r>
-          </a:p>
-        </p:txBody>
-      </p:sp>
-      <p:sp>
-        <p:nvSpPr>
-          <p:cNvPr id="5" name="TextBox 4">
-            <a:extLst>
-              <a:ext uri="{FF2B5EF4-FFF2-40B4-BE49-F238E27FC236}">
-                <a16:creationId xmlns:a16="http://schemas.microsoft.com/office/drawing/2014/main" id="{940EF249-07A9-4DC1-AA6F-405D1A10E6AA}"/>
-              </a:ext>
-            </a:extLst>
-          </p:cNvPr>
-          <p:cNvSpPr txBox="1"/>
-          <p:nvPr/>
-        </p:nvSpPr>
-        <p:spPr>
-          <a:xfrm>
-            <a:off x="753139" y="4131602"/>
-            <a:ext cx="1859420" cy="369332"/>
-          </a:xfrm>
-          <a:prstGeom prst="rect">
-            <a:avLst/>
-          </a:prstGeom>
-          <a:noFill/>
-        </p:spPr>
-        <p:txBody>
-          <a:bodyPr wrap="none" rtlCol="0">
-            <a:spAutoFit/>
-          </a:bodyPr>
-          <a:lstStyle/>
-          <a:p>
-            <a:r>
-              <a:rPr lang="de-DE" b="1" dirty="0"/>
-              <a:t>App Service plan</a:t>
-            </a:r>
-          </a:p>
-        </p:txBody>
-      </p:sp>
-      <p:sp>
-        <p:nvSpPr>
-          <p:cNvPr id="7" name="TextBox 6">
-            <a:extLst>
-              <a:ext uri="{FF2B5EF4-FFF2-40B4-BE49-F238E27FC236}">
-                <a16:creationId xmlns:a16="http://schemas.microsoft.com/office/drawing/2014/main" id="{620FAD86-94E7-4591-BCF8-858C7CFAC643}"/>
-              </a:ext>
-            </a:extLst>
-          </p:cNvPr>
-          <p:cNvSpPr txBox="1"/>
-          <p:nvPr/>
-        </p:nvSpPr>
-        <p:spPr>
-          <a:xfrm>
-            <a:off x="1028215" y="2654274"/>
-            <a:ext cx="3517117" cy="1477328"/>
-          </a:xfrm>
-          <a:prstGeom prst="rect">
-            <a:avLst/>
-          </a:prstGeom>
-          <a:noFill/>
-        </p:spPr>
-        <p:txBody>
-          <a:bodyPr wrap="none" rtlCol="0">
-            <a:spAutoFit/>
-          </a:bodyPr>
-          <a:lstStyle/>
-          <a:p>
-            <a:pPr marL="285750" indent="-285750">
-              <a:buFont typeface="Arial" panose="020B0604020202020204" pitchFamily="34" charset="0"/>
-              <a:buChar char="•"/>
-            </a:pPr>
-            <a:r>
-              <a:rPr lang="en-US" dirty="0"/>
-              <a:t>Dynamics instances (scale out)</a:t>
-            </a:r>
-          </a:p>
-          <a:p>
-            <a:pPr marL="285750" indent="-285750">
-              <a:buFont typeface="Arial" panose="020B0604020202020204" pitchFamily="34" charset="0"/>
-              <a:buChar char="•"/>
-            </a:pPr>
-            <a:r>
-              <a:rPr lang="en-US" dirty="0"/>
-              <a:t>Pay only by running</a:t>
-            </a:r>
-          </a:p>
-          <a:p>
-            <a:pPr marL="285750" indent="-285750">
-              <a:buFont typeface="Arial" panose="020B0604020202020204" pitchFamily="34" charset="0"/>
-              <a:buChar char="•"/>
-            </a:pPr>
-            <a:r>
-              <a:rPr lang="en-US" dirty="0"/>
-              <a:t>Max running time up to 10 min</a:t>
-            </a:r>
-          </a:p>
-          <a:p>
-            <a:pPr marL="285750" indent="-285750">
-              <a:buFont typeface="Arial" panose="020B0604020202020204" pitchFamily="34" charset="0"/>
-              <a:buChar char="•"/>
-            </a:pPr>
-            <a:endParaRPr lang="en-US" dirty="0"/>
-          </a:p>
-          <a:p>
-            <a:endParaRPr lang="de-DE" dirty="0"/>
-          </a:p>
-        </p:txBody>
-      </p:sp>
-      <p:sp>
-        <p:nvSpPr>
-          <p:cNvPr id="8" name="TextBox 7">
-            <a:extLst>
-              <a:ext uri="{FF2B5EF4-FFF2-40B4-BE49-F238E27FC236}">
-                <a16:creationId xmlns:a16="http://schemas.microsoft.com/office/drawing/2014/main" id="{C447CA63-000B-4819-A0C7-6C51F3249BA3}"/>
-              </a:ext>
-            </a:extLst>
-          </p:cNvPr>
-          <p:cNvSpPr txBox="1"/>
-          <p:nvPr/>
-        </p:nvSpPr>
-        <p:spPr>
-          <a:xfrm>
-            <a:off x="1028215" y="4560863"/>
-            <a:ext cx="4234044" cy="2031325"/>
-          </a:xfrm>
-          <a:prstGeom prst="rect">
-            <a:avLst/>
-          </a:prstGeom>
-          <a:noFill/>
-        </p:spPr>
-        <p:txBody>
-          <a:bodyPr wrap="none" rtlCol="0">
-            <a:spAutoFit/>
-          </a:bodyPr>
-          <a:lstStyle/>
-          <a:p>
-            <a:pPr marL="285750" indent="-285750">
-              <a:buFont typeface="Arial" panose="020B0604020202020204" pitchFamily="34" charset="0"/>
-              <a:buChar char="•"/>
-            </a:pPr>
-            <a:r>
-              <a:rPr lang="de-DE" dirty="0" err="1"/>
-              <a:t>dedicated</a:t>
-            </a:r>
-            <a:r>
-              <a:rPr lang="de-DE" dirty="0"/>
-              <a:t> App Service plan</a:t>
-            </a:r>
-          </a:p>
-          <a:p>
-            <a:pPr marL="285750" indent="-285750">
-              <a:buFont typeface="Arial" panose="020B0604020202020204" pitchFamily="34" charset="0"/>
-              <a:buChar char="•"/>
-            </a:pPr>
-            <a:r>
-              <a:rPr lang="en-US" dirty="0"/>
-              <a:t>Always running</a:t>
-            </a:r>
-          </a:p>
-          <a:p>
-            <a:pPr marL="285750" indent="-285750">
-              <a:buFont typeface="Arial" panose="020B0604020202020204" pitchFamily="34" charset="0"/>
-              <a:buChar char="•"/>
-            </a:pPr>
-            <a:r>
-              <a:rPr lang="en-US" dirty="0"/>
-              <a:t>Long running time (more than 10 min)</a:t>
-            </a:r>
-            <a:endParaRPr lang="de-DE" dirty="0"/>
-          </a:p>
-          <a:p>
-            <a:pPr marL="285750" indent="-285750">
-              <a:buFont typeface="Arial" panose="020B0604020202020204" pitchFamily="34" charset="0"/>
-              <a:buChar char="•"/>
-            </a:pPr>
-            <a:r>
-              <a:rPr lang="en-US" dirty="0"/>
-              <a:t>Fix costs</a:t>
-            </a:r>
-          </a:p>
-          <a:p>
-            <a:pPr marL="285750" indent="-285750">
-              <a:buFont typeface="Arial" panose="020B0604020202020204" pitchFamily="34" charset="0"/>
-              <a:buChar char="•"/>
-            </a:pPr>
-            <a:r>
-              <a:rPr lang="en-US" dirty="0"/>
-              <a:t>No auto scale</a:t>
-            </a:r>
-          </a:p>
-          <a:p>
-            <a:pPr marL="285750" indent="-285750">
-              <a:buFont typeface="Arial" panose="020B0604020202020204" pitchFamily="34" charset="0"/>
-              <a:buChar char="•"/>
-            </a:pPr>
-            <a:endParaRPr lang="en-US" dirty="0"/>
-          </a:p>
-          <a:p>
-            <a:endParaRPr lang="de-DE" dirty="0"/>
+              <a:t> Works</a:t>
+            </a:r>
           </a:p>
         </p:txBody>
       </p:sp>
       <p:pic>
         <p:nvPicPr>
-          <p:cNvPr id="9" name="Picture 8">
-            <a:extLst>
-              <a:ext uri="{FF2B5EF4-FFF2-40B4-BE49-F238E27FC236}">
-                <a16:creationId xmlns:a16="http://schemas.microsoft.com/office/drawing/2014/main" id="{F555925B-25DA-497E-A20A-A3F4A3EF725D}"/>
+          <p:cNvPr id="8" name="Picture 7">
+            <a:extLst>
+              <a:ext uri="{FF2B5EF4-FFF2-40B4-BE49-F238E27FC236}">
+                <a16:creationId xmlns:a16="http://schemas.microsoft.com/office/drawing/2014/main" id="{86241328-3EEF-4B63-B3B8-0BD760DA5169}"/>
               </a:ext>
             </a:extLst>
           </p:cNvPr>
@@ -5349,15 +5300,21 @@
           <p:nvPr/>
         </p:nvPicPr>
         <p:blipFill>
-          <a:blip r:embed="rId2"/>
+          <a:blip r:embed="rId2">
+            <a:extLst>
+              <a:ext uri="{28A0092B-C50C-407E-A947-70E740481C1C}">
+                <a14:useLocalDpi xmlns:a14="http://schemas.microsoft.com/office/drawing/2010/main" val="0"/>
+              </a:ext>
+            </a:extLst>
+          </a:blip>
           <a:stretch>
             <a:fillRect/>
           </a:stretch>
         </p:blipFill>
         <p:spPr>
           <a:xfrm>
-            <a:off x="5434241" y="2786115"/>
-            <a:ext cx="6193509" cy="2690973"/>
+            <a:off x="2363972" y="2481593"/>
+            <a:ext cx="7464056" cy="2529228"/>
           </a:xfrm>
           <a:prstGeom prst="rect">
             <a:avLst/>
@@ -5367,7 +5324,7 @@
     </p:spTree>
     <p:extLst>
       <p:ext uri="{BB962C8B-B14F-4D97-AF65-F5344CB8AC3E}">
-        <p14:creationId xmlns:p14="http://schemas.microsoft.com/office/powerpoint/2010/main" val="2405960746"/>
+        <p14:creationId xmlns:p14="http://schemas.microsoft.com/office/powerpoint/2010/main" val="3689715855"/>
       </p:ext>
     </p:extLst>
   </p:cSld>
@@ -5412,8 +5369,8 @@
         </p:nvSpPr>
         <p:spPr>
           <a:xfrm>
-            <a:off x="753139" y="874199"/>
-            <a:ext cx="10515600" cy="802044"/>
+            <a:off x="2050945" y="874199"/>
+            <a:ext cx="8090110" cy="802044"/>
           </a:xfrm>
         </p:spPr>
         <p:txBody>
@@ -5425,15 +5382,201 @@
             <a:pPr algn="ctr"/>
             <a:r>
               <a:rPr lang="en-US" sz="3600" dirty="0"/>
-              <a:t>Azure Functions triggers and bindings</a:t>
-            </a:r>
+              <a:t>Azure Functions V1 vs V2</a:t>
+            </a:r>
+          </a:p>
+        </p:txBody>
+      </p:sp>
+      <p:sp>
+        <p:nvSpPr>
+          <p:cNvPr id="3" name="TextBox 2">
+            <a:extLst>
+              <a:ext uri="{FF2B5EF4-FFF2-40B4-BE49-F238E27FC236}">
+                <a16:creationId xmlns:a16="http://schemas.microsoft.com/office/drawing/2014/main" id="{1206E457-6E1F-418A-837B-87628526BEEC}"/>
+              </a:ext>
+            </a:extLst>
+          </p:cNvPr>
+          <p:cNvSpPr txBox="1"/>
+          <p:nvPr/>
+        </p:nvSpPr>
+        <p:spPr>
+          <a:xfrm>
+            <a:off x="1867877" y="2313354"/>
+            <a:ext cx="2303131" cy="1785104"/>
+          </a:xfrm>
+          <a:prstGeom prst="rect">
+            <a:avLst/>
+          </a:prstGeom>
+          <a:noFill/>
+        </p:spPr>
+        <p:txBody>
+          <a:bodyPr wrap="none" rtlCol="0">
+            <a:spAutoFit/>
+          </a:bodyPr>
+          <a:lstStyle/>
+          <a:p>
+            <a:r>
+              <a:rPr lang="en-US" sz="2000" b="1" dirty="0"/>
+              <a:t>Functions V1</a:t>
+            </a:r>
+            <a:br>
+              <a:rPr lang="en-US" b="1" dirty="0"/>
+            </a:br>
+            <a:endParaRPr lang="en-US" b="1" dirty="0"/>
+          </a:p>
+          <a:p>
+            <a:pPr marL="285750" indent="-285750">
+              <a:buFont typeface="Arial" panose="020B0604020202020204" pitchFamily="34" charset="0"/>
+              <a:buChar char="•"/>
+            </a:pPr>
+            <a:r>
+              <a:rPr lang="en-US" dirty="0" err="1"/>
+              <a:t>.net</a:t>
+            </a:r>
+            <a:r>
+              <a:rPr lang="en-US" dirty="0"/>
+              <a:t> framework 4.x</a:t>
+            </a:r>
+          </a:p>
+          <a:p>
+            <a:pPr marL="285750" indent="-285750">
+              <a:buFont typeface="Arial" panose="020B0604020202020204" pitchFamily="34" charset="0"/>
+              <a:buChar char="•"/>
+            </a:pPr>
+            <a:r>
+              <a:rPr lang="en-US" dirty="0"/>
+              <a:t>Predefined trigger</a:t>
+            </a:r>
+          </a:p>
+          <a:p>
+            <a:pPr marL="285750" indent="-285750">
+              <a:buFont typeface="Arial" panose="020B0604020202020204" pitchFamily="34" charset="0"/>
+              <a:buChar char="•"/>
+            </a:pPr>
+            <a:endParaRPr lang="en-US" dirty="0"/>
+          </a:p>
+          <a:p>
+            <a:pPr marL="285750" indent="-285750">
+              <a:buFont typeface="Arial" panose="020B0604020202020204" pitchFamily="34" charset="0"/>
+              <a:buChar char="•"/>
+            </a:pPr>
+            <a:endParaRPr lang="de-DE" dirty="0"/>
+          </a:p>
+        </p:txBody>
+      </p:sp>
+      <p:sp>
+        <p:nvSpPr>
+          <p:cNvPr id="4" name="TextBox 3">
+            <a:extLst>
+              <a:ext uri="{FF2B5EF4-FFF2-40B4-BE49-F238E27FC236}">
+                <a16:creationId xmlns:a16="http://schemas.microsoft.com/office/drawing/2014/main" id="{83866ECC-2A25-406F-84BF-FCEBE95DD2F3}"/>
+              </a:ext>
+            </a:extLst>
+          </p:cNvPr>
+          <p:cNvSpPr txBox="1"/>
+          <p:nvPr/>
+        </p:nvSpPr>
+        <p:spPr>
+          <a:xfrm>
+            <a:off x="7686431" y="2313354"/>
+            <a:ext cx="1801904" cy="1508105"/>
+          </a:xfrm>
+          <a:prstGeom prst="rect">
+            <a:avLst/>
+          </a:prstGeom>
+          <a:noFill/>
+        </p:spPr>
+        <p:txBody>
+          <a:bodyPr wrap="none" rtlCol="0">
+            <a:spAutoFit/>
+          </a:bodyPr>
+          <a:lstStyle/>
+          <a:p>
+            <a:r>
+              <a:rPr lang="en-US" sz="2000" b="1" dirty="0"/>
+              <a:t>Functions V2</a:t>
+            </a:r>
+          </a:p>
+          <a:p>
+            <a:endParaRPr lang="en-US" dirty="0"/>
+          </a:p>
+          <a:p>
+            <a:pPr marL="285750" indent="-285750">
+              <a:buFont typeface="Arial" panose="020B0604020202020204" pitchFamily="34" charset="0"/>
+              <a:buChar char="•"/>
+            </a:pPr>
+            <a:r>
+              <a:rPr lang="en-US" dirty="0" err="1"/>
+              <a:t>.net</a:t>
+            </a:r>
+            <a:r>
+              <a:rPr lang="en-US" dirty="0"/>
+              <a:t> core</a:t>
+            </a:r>
+          </a:p>
+          <a:p>
+            <a:pPr marL="285750" indent="-285750">
+              <a:buFont typeface="Arial" panose="020B0604020202020204" pitchFamily="34" charset="0"/>
+              <a:buChar char="•"/>
+            </a:pPr>
+            <a:r>
+              <a:rPr lang="en-US" dirty="0"/>
+              <a:t>Performance</a:t>
+            </a:r>
+          </a:p>
+          <a:p>
+            <a:pPr marL="285750" indent="-285750">
+              <a:buFont typeface="Arial" panose="020B0604020202020204" pitchFamily="34" charset="0"/>
+              <a:buChar char="•"/>
+            </a:pPr>
+            <a:r>
+              <a:rPr lang="en-US" dirty="0"/>
+              <a:t>Better scaling</a:t>
+            </a:r>
+            <a:endParaRPr lang="de-DE" dirty="0"/>
+          </a:p>
+        </p:txBody>
+      </p:sp>
+      <p:sp>
+        <p:nvSpPr>
+          <p:cNvPr id="5" name="TextBox 4">
+            <a:extLst>
+              <a:ext uri="{FF2B5EF4-FFF2-40B4-BE49-F238E27FC236}">
+                <a16:creationId xmlns:a16="http://schemas.microsoft.com/office/drawing/2014/main" id="{752F0964-4F80-4E76-8ED9-D953A2CBFB02}"/>
+              </a:ext>
+            </a:extLst>
+          </p:cNvPr>
+          <p:cNvSpPr txBox="1"/>
+          <p:nvPr/>
+        </p:nvSpPr>
+        <p:spPr>
+          <a:xfrm rot="16200000">
+            <a:off x="4712677" y="3563815"/>
+            <a:ext cx="1868012" cy="369332"/>
+          </a:xfrm>
+          <a:prstGeom prst="rect">
+            <a:avLst/>
+          </a:prstGeom>
+          <a:noFill/>
+        </p:spPr>
+        <p:txBody>
+          <a:bodyPr wrap="none" rtlCol="0">
+            <a:spAutoFit/>
+          </a:bodyPr>
+          <a:lstStyle/>
+          <a:p>
+            <a:r>
+              <a:rPr lang="en-US" dirty="0"/>
+              <a:t>Breaking Change</a:t>
+            </a:r>
+            <a:endParaRPr lang="de-DE" dirty="0"/>
           </a:p>
         </p:txBody>
       </p:sp>
     </p:spTree>
     <p:extLst>
       <p:ext uri="{BB962C8B-B14F-4D97-AF65-F5344CB8AC3E}">
-        <p14:creationId xmlns:p14="http://schemas.microsoft.com/office/powerpoint/2010/main" val="1907257116"/>
+        <p14:creationId xmlns:p14="http://schemas.microsoft.com/office/powerpoint/2010/main" val="3322054131"/>
       </p:ext>
     </p:extLst>
   </p:cSld>
@@ -5478,8 +5621,8 @@
         </p:nvSpPr>
         <p:spPr>
           <a:xfrm>
-            <a:off x="965790" y="884832"/>
-            <a:ext cx="10515600" cy="802044"/>
+            <a:off x="2050945" y="874199"/>
+            <a:ext cx="8090110" cy="802044"/>
           </a:xfrm>
         </p:spPr>
         <p:txBody>
@@ -5491,17 +5634,17 @@
             <a:pPr algn="ctr"/>
             <a:r>
               <a:rPr lang="en-US" sz="3600" dirty="0"/>
-              <a:t>What you can do with Functions</a:t>
+              <a:t>Azure Functions triggers and bindings</a:t>
             </a:r>
           </a:p>
         </p:txBody>
       </p:sp>
       <p:pic>
         <p:nvPicPr>
-          <p:cNvPr id="4" name="Picture 3">
-            <a:extLst>
-              <a:ext uri="{FF2B5EF4-FFF2-40B4-BE49-F238E27FC236}">
-                <a16:creationId xmlns:a16="http://schemas.microsoft.com/office/drawing/2014/main" id="{7235664A-4EDD-4B60-B503-BAD672E54BD6}"/>
+          <p:cNvPr id="3" name="Picture 2">
+            <a:extLst>
+              <a:ext uri="{FF2B5EF4-FFF2-40B4-BE49-F238E27FC236}">
+                <a16:creationId xmlns:a16="http://schemas.microsoft.com/office/drawing/2014/main" id="{09786150-D078-4F06-8982-ABD5288CCC40}"/>
               </a:ext>
             </a:extLst>
           </p:cNvPr>
@@ -5511,21 +5654,15 @@
           <p:nvPr/>
         </p:nvPicPr>
         <p:blipFill>
-          <a:blip r:embed="rId2">
-            <a:extLst>
-              <a:ext uri="{28A0092B-C50C-407E-A947-70E740481C1C}">
-                <a14:useLocalDpi xmlns:a14="http://schemas.microsoft.com/office/drawing/2010/main" val="0"/>
-              </a:ext>
-            </a:extLst>
-          </a:blip>
+          <a:blip r:embed="rId2"/>
           <a:stretch>
             <a:fillRect/>
           </a:stretch>
         </p:blipFill>
         <p:spPr>
           <a:xfrm>
-            <a:off x="2891944" y="2543629"/>
-            <a:ext cx="6663291" cy="2347859"/>
+            <a:off x="5237407" y="1830443"/>
+            <a:ext cx="6454409" cy="4712743"/>
           </a:xfrm>
           <a:prstGeom prst="rect">
             <a:avLst/>
@@ -5534,10 +5671,10 @@
       </p:pic>
       <p:sp>
         <p:nvSpPr>
-          <p:cNvPr id="5" name="TextBox 4">
-            <a:extLst>
-              <a:ext uri="{FF2B5EF4-FFF2-40B4-BE49-F238E27FC236}">
-                <a16:creationId xmlns:a16="http://schemas.microsoft.com/office/drawing/2014/main" id="{FE536E3B-478F-4974-BEE6-BFC1FE78A59B}"/>
+          <p:cNvPr id="4" name="TextBox 3">
+            <a:extLst>
+              <a:ext uri="{FF2B5EF4-FFF2-40B4-BE49-F238E27FC236}">
+                <a16:creationId xmlns:a16="http://schemas.microsoft.com/office/drawing/2014/main" id="{66676008-FF3A-4102-ADC9-B9479C797BB4}"/>
               </a:ext>
             </a:extLst>
           </p:cNvPr>
@@ -5546,8 +5683,8 @@
         </p:nvSpPr>
         <p:spPr>
           <a:xfrm>
-            <a:off x="5099828" y="5748241"/>
-            <a:ext cx="2786019" cy="369332"/>
+            <a:off x="1234831" y="2571262"/>
+            <a:ext cx="2889317" cy="2585323"/>
           </a:xfrm>
           <a:prstGeom prst="rect">
             <a:avLst/>
@@ -5560,30 +5697,113 @@
           </a:bodyPr>
           <a:lstStyle/>
           <a:p>
-            <a:r>
-              <a:rPr lang="de-DE" b="1" dirty="0"/>
-              <a:t>Web </a:t>
-            </a:r>
+            <a:pPr marL="285750" indent="-285750">
+              <a:buFont typeface="Arial" panose="020B0604020202020204" pitchFamily="34" charset="0"/>
+              <a:buChar char="•"/>
+            </a:pPr>
             <a:r>
               <a:rPr lang="de-DE" b="1" dirty="0" err="1"/>
-              <a:t>application</a:t>
-            </a:r>
-            <a:r>
-              <a:rPr lang="de-DE" b="1" dirty="0"/>
-              <a:t> </a:t>
-            </a:r>
+              <a:t>HTTPTrigger</a:t>
+            </a:r>
+            <a:endParaRPr lang="de-DE" b="1" dirty="0"/>
+          </a:p>
+          <a:p>
+            <a:pPr marL="285750" indent="-285750">
+              <a:buFont typeface="Arial" panose="020B0604020202020204" pitchFamily="34" charset="0"/>
+              <a:buChar char="•"/>
+            </a:pPr>
             <a:r>
               <a:rPr lang="de-DE" b="1" dirty="0" err="1"/>
-              <a:t>backends</a:t>
+              <a:t>TimerTrigger</a:t>
+            </a:r>
+            <a:r>
+              <a:rPr lang="de-DE" dirty="0"/>
+              <a:t> </a:t>
+            </a:r>
+          </a:p>
+          <a:p>
+            <a:pPr marL="285750" indent="-285750">
+              <a:buFont typeface="Arial" panose="020B0604020202020204" pitchFamily="34" charset="0"/>
+              <a:buChar char="•"/>
+            </a:pPr>
+            <a:r>
+              <a:rPr lang="de-DE" b="1" dirty="0" err="1"/>
+              <a:t>CosmosDBTrigger</a:t>
             </a:r>
             <a:endParaRPr lang="de-DE" b="1" dirty="0"/>
+          </a:p>
+          <a:p>
+            <a:pPr marL="285750" indent="-285750">
+              <a:buFont typeface="Arial" panose="020B0604020202020204" pitchFamily="34" charset="0"/>
+              <a:buChar char="•"/>
+            </a:pPr>
+            <a:r>
+              <a:rPr lang="de-DE" b="1" dirty="0" err="1"/>
+              <a:t>BlobTrigger</a:t>
+            </a:r>
+            <a:endParaRPr lang="de-DE" b="1" dirty="0"/>
+          </a:p>
+          <a:p>
+            <a:pPr marL="285750" indent="-285750">
+              <a:buFont typeface="Arial" panose="020B0604020202020204" pitchFamily="34" charset="0"/>
+              <a:buChar char="•"/>
+            </a:pPr>
+            <a:r>
+              <a:rPr lang="de-DE" b="1" dirty="0" err="1"/>
+              <a:t>QueueTrigger</a:t>
+            </a:r>
+            <a:endParaRPr lang="de-DE" b="1" dirty="0"/>
+          </a:p>
+          <a:p>
+            <a:pPr marL="285750" indent="-285750">
+              <a:buFont typeface="Arial" panose="020B0604020202020204" pitchFamily="34" charset="0"/>
+              <a:buChar char="•"/>
+            </a:pPr>
+            <a:r>
+              <a:rPr lang="de-DE" b="1" dirty="0" err="1"/>
+              <a:t>EventGridTrigger</a:t>
+            </a:r>
+            <a:endParaRPr lang="de-DE" b="1" dirty="0"/>
+          </a:p>
+          <a:p>
+            <a:pPr marL="285750" indent="-285750">
+              <a:buFont typeface="Arial" panose="020B0604020202020204" pitchFamily="34" charset="0"/>
+              <a:buChar char="•"/>
+            </a:pPr>
+            <a:r>
+              <a:rPr lang="de-DE" b="1" dirty="0" err="1"/>
+              <a:t>EventHubTrigger</a:t>
+            </a:r>
+            <a:endParaRPr lang="de-DE" b="1" dirty="0"/>
+          </a:p>
+          <a:p>
+            <a:pPr marL="285750" indent="-285750">
+              <a:buFont typeface="Arial" panose="020B0604020202020204" pitchFamily="34" charset="0"/>
+              <a:buChar char="•"/>
+            </a:pPr>
+            <a:r>
+              <a:rPr lang="de-DE" b="1" dirty="0" err="1"/>
+              <a:t>ServiceBusQueueTrigger</a:t>
+            </a:r>
+            <a:endParaRPr lang="de-DE" b="1" dirty="0"/>
+          </a:p>
+          <a:p>
+            <a:pPr marL="285750" indent="-285750">
+              <a:buFont typeface="Arial" panose="020B0604020202020204" pitchFamily="34" charset="0"/>
+              <a:buChar char="•"/>
+            </a:pPr>
+            <a:r>
+              <a:rPr lang="de-DE" b="1" dirty="0" err="1"/>
+              <a:t>ServiceBusTopicTrigger</a:t>
+            </a:r>
+            <a:endParaRPr lang="de-DE" dirty="0"/>
           </a:p>
         </p:txBody>
       </p:sp>
     </p:spTree>
     <p:extLst>
       <p:ext uri="{BB962C8B-B14F-4D97-AF65-F5344CB8AC3E}">
-        <p14:creationId xmlns:p14="http://schemas.microsoft.com/office/powerpoint/2010/main" val="1497198669"/>
+        <p14:creationId xmlns:p14="http://schemas.microsoft.com/office/powerpoint/2010/main" val="1907257116"/>
       </p:ext>
     </p:extLst>
   </p:cSld>
@@ -5628,7 +5848,7 @@
         </p:nvSpPr>
         <p:spPr>
           <a:xfrm>
-            <a:off x="965790" y="884832"/>
+            <a:off x="753139" y="874199"/>
             <a:ext cx="10515600" cy="802044"/>
           </a:xfrm>
         </p:spPr>
@@ -5640,18 +5860,26 @@
           <a:p>
             <a:pPr algn="ctr"/>
             <a:r>
-              <a:rPr lang="en-US" sz="3600" dirty="0"/>
-              <a:t>What you can do with Functions</a:t>
-            </a:r>
-          </a:p>
-        </p:txBody>
-      </p:sp>
-      <p:sp>
-        <p:nvSpPr>
-          <p:cNvPr id="5" name="TextBox 4">
-            <a:extLst>
-              <a:ext uri="{FF2B5EF4-FFF2-40B4-BE49-F238E27FC236}">
-                <a16:creationId xmlns:a16="http://schemas.microsoft.com/office/drawing/2014/main" id="{FE536E3B-478F-4974-BEE6-BFC1FE78A59B}"/>
+              <a:rPr lang="de-DE" sz="3600" dirty="0"/>
+              <a:t>Azure </a:t>
+            </a:r>
+            <a:r>
+              <a:rPr lang="de-DE" sz="3600" dirty="0" err="1"/>
+              <a:t>functions</a:t>
+            </a:r>
+            <a:r>
+              <a:rPr lang="de-DE" sz="3600" dirty="0"/>
+              <a:t> Hosting</a:t>
+            </a:r>
+          </a:p>
+        </p:txBody>
+      </p:sp>
+      <p:sp>
+        <p:nvSpPr>
+          <p:cNvPr id="3" name="TextBox 2">
+            <a:extLst>
+              <a:ext uri="{FF2B5EF4-FFF2-40B4-BE49-F238E27FC236}">
+                <a16:creationId xmlns:a16="http://schemas.microsoft.com/office/drawing/2014/main" id="{549D35D0-5E98-48FE-8F48-A4DB81774BF2}"/>
               </a:ext>
             </a:extLst>
           </p:cNvPr>
@@ -5660,8 +5888,8 @@
         </p:nvSpPr>
         <p:spPr>
           <a:xfrm>
-            <a:off x="4897809" y="5754961"/>
-            <a:ext cx="3015954" cy="369332"/>
+            <a:off x="753139" y="2130374"/>
+            <a:ext cx="2010487" cy="369332"/>
           </a:xfrm>
           <a:prstGeom prst="rect">
             <a:avLst/>
@@ -5675,31 +5903,220 @@
           <a:lstStyle/>
           <a:p>
             <a:r>
+              <a:rPr lang="de-DE" b="1" dirty="0" err="1"/>
+              <a:t>Consumption</a:t>
+            </a:r>
+            <a:r>
               <a:rPr lang="de-DE" b="1" dirty="0"/>
-              <a:t>Mobile </a:t>
-            </a:r>
-            <a:r>
-              <a:rPr lang="de-DE" b="1" dirty="0" err="1"/>
-              <a:t>application</a:t>
-            </a:r>
+              <a:t> plan</a:t>
+            </a:r>
+          </a:p>
+        </p:txBody>
+      </p:sp>
+      <p:sp>
+        <p:nvSpPr>
+          <p:cNvPr id="5" name="TextBox 4">
+            <a:extLst>
+              <a:ext uri="{FF2B5EF4-FFF2-40B4-BE49-F238E27FC236}">
+                <a16:creationId xmlns:a16="http://schemas.microsoft.com/office/drawing/2014/main" id="{940EF249-07A9-4DC1-AA6F-405D1A10E6AA}"/>
+              </a:ext>
+            </a:extLst>
+          </p:cNvPr>
+          <p:cNvSpPr txBox="1"/>
+          <p:nvPr/>
+        </p:nvSpPr>
+        <p:spPr>
+          <a:xfrm>
+            <a:off x="753139" y="4131602"/>
+            <a:ext cx="1859420" cy="369332"/>
+          </a:xfrm>
+          <a:prstGeom prst="rect">
+            <a:avLst/>
+          </a:prstGeom>
+          <a:noFill/>
+        </p:spPr>
+        <p:txBody>
+          <a:bodyPr wrap="none" rtlCol="0">
+            <a:spAutoFit/>
+          </a:bodyPr>
+          <a:lstStyle/>
+          <a:p>
             <a:r>
               <a:rPr lang="de-DE" b="1" dirty="0"/>
-              <a:t> </a:t>
-            </a:r>
-            <a:r>
-              <a:rPr lang="de-DE" b="1" dirty="0" err="1"/>
-              <a:t>backends</a:t>
-            </a:r>
-            <a:endParaRPr lang="de-DE" b="1" dirty="0"/>
+              <a:t>App Service plan</a:t>
+            </a:r>
+          </a:p>
+        </p:txBody>
+      </p:sp>
+      <p:sp>
+        <p:nvSpPr>
+          <p:cNvPr id="7" name="TextBox 6">
+            <a:extLst>
+              <a:ext uri="{FF2B5EF4-FFF2-40B4-BE49-F238E27FC236}">
+                <a16:creationId xmlns:a16="http://schemas.microsoft.com/office/drawing/2014/main" id="{620FAD86-94E7-4591-BCF8-858C7CFAC643}"/>
+              </a:ext>
+            </a:extLst>
+          </p:cNvPr>
+          <p:cNvSpPr txBox="1"/>
+          <p:nvPr/>
+        </p:nvSpPr>
+        <p:spPr>
+          <a:xfrm>
+            <a:off x="1028215" y="2654274"/>
+            <a:ext cx="3517117" cy="1477328"/>
+          </a:xfrm>
+          <a:prstGeom prst="rect">
+            <a:avLst/>
+          </a:prstGeom>
+          <a:noFill/>
+        </p:spPr>
+        <p:txBody>
+          <a:bodyPr wrap="none" rtlCol="0">
+            <a:spAutoFit/>
+          </a:bodyPr>
+          <a:lstStyle/>
+          <a:p>
+            <a:pPr marL="285750" indent="-285750">
+              <a:buFont typeface="Arial" panose="020B0604020202020204" pitchFamily="34" charset="0"/>
+              <a:buChar char="•"/>
+            </a:pPr>
+            <a:r>
+              <a:rPr lang="en-US" dirty="0"/>
+              <a:t>Dynamics instances (scale out)</a:t>
+            </a:r>
+          </a:p>
+          <a:p>
+            <a:pPr marL="285750" indent="-285750">
+              <a:buFont typeface="Arial" panose="020B0604020202020204" pitchFamily="34" charset="0"/>
+              <a:buChar char="•"/>
+            </a:pPr>
+            <a:r>
+              <a:rPr lang="en-US" dirty="0"/>
+              <a:t>Pay only by running</a:t>
+            </a:r>
+          </a:p>
+          <a:p>
+            <a:pPr marL="285750" indent="-285750">
+              <a:buFont typeface="Arial" panose="020B0604020202020204" pitchFamily="34" charset="0"/>
+              <a:buChar char="•"/>
+            </a:pPr>
+            <a:r>
+              <a:rPr lang="en-US" dirty="0"/>
+              <a:t>Max running time up to 10 min</a:t>
+            </a:r>
+          </a:p>
+          <a:p>
+            <a:pPr marL="285750" indent="-285750">
+              <a:buFont typeface="Arial" panose="020B0604020202020204" pitchFamily="34" charset="0"/>
+              <a:buChar char="•"/>
+            </a:pPr>
+            <a:endParaRPr lang="en-US" dirty="0"/>
+          </a:p>
+          <a:p>
+            <a:endParaRPr lang="de-DE" dirty="0"/>
+          </a:p>
+        </p:txBody>
+      </p:sp>
+      <p:sp>
+        <p:nvSpPr>
+          <p:cNvPr id="8" name="TextBox 7">
+            <a:extLst>
+              <a:ext uri="{FF2B5EF4-FFF2-40B4-BE49-F238E27FC236}">
+                <a16:creationId xmlns:a16="http://schemas.microsoft.com/office/drawing/2014/main" id="{C447CA63-000B-4819-A0C7-6C51F3249BA3}"/>
+              </a:ext>
+            </a:extLst>
+          </p:cNvPr>
+          <p:cNvSpPr txBox="1"/>
+          <p:nvPr/>
+        </p:nvSpPr>
+        <p:spPr>
+          <a:xfrm>
+            <a:off x="1028215" y="4560863"/>
+            <a:ext cx="4234044" cy="2031325"/>
+          </a:xfrm>
+          <a:prstGeom prst="rect">
+            <a:avLst/>
+          </a:prstGeom>
+          <a:noFill/>
+        </p:spPr>
+        <p:txBody>
+          <a:bodyPr wrap="none" rtlCol="0">
+            <a:spAutoFit/>
+          </a:bodyPr>
+          <a:lstStyle/>
+          <a:p>
+            <a:pPr marL="285750" indent="-285750">
+              <a:buFont typeface="Arial" panose="020B0604020202020204" pitchFamily="34" charset="0"/>
+              <a:buChar char="•"/>
+            </a:pPr>
+            <a:r>
+              <a:rPr lang="de-DE" dirty="0" err="1"/>
+              <a:t>dedicated</a:t>
+            </a:r>
+            <a:r>
+              <a:rPr lang="de-DE" dirty="0"/>
+              <a:t> App Service plan</a:t>
+            </a:r>
+          </a:p>
+          <a:p>
+            <a:pPr marL="285750" indent="-285750">
+              <a:buFont typeface="Arial" panose="020B0604020202020204" pitchFamily="34" charset="0"/>
+              <a:buChar char="•"/>
+            </a:pPr>
+            <a:r>
+              <a:rPr lang="en-US" dirty="0"/>
+              <a:t>Always running</a:t>
+            </a:r>
+          </a:p>
+          <a:p>
+            <a:pPr marL="285750" indent="-285750">
+              <a:buFont typeface="Arial" panose="020B0604020202020204" pitchFamily="34" charset="0"/>
+              <a:buChar char="•"/>
+            </a:pPr>
+            <a:r>
+              <a:rPr lang="en-US" dirty="0"/>
+              <a:t>Long running time (more than 10 min)</a:t>
+            </a:r>
+            <a:endParaRPr lang="de-DE" dirty="0"/>
+          </a:p>
+          <a:p>
+            <a:pPr marL="285750" indent="-285750">
+              <a:buFont typeface="Arial" panose="020B0604020202020204" pitchFamily="34" charset="0"/>
+              <a:buChar char="•"/>
+            </a:pPr>
+            <a:r>
+              <a:rPr lang="en-US" dirty="0"/>
+              <a:t>Fix costs</a:t>
+            </a:r>
+          </a:p>
+          <a:p>
+            <a:pPr marL="285750" indent="-285750">
+              <a:buFont typeface="Arial" panose="020B0604020202020204" pitchFamily="34" charset="0"/>
+              <a:buChar char="•"/>
+            </a:pPr>
+            <a:r>
+              <a:rPr lang="en-US" dirty="0"/>
+              <a:t>No auto scale</a:t>
+            </a:r>
+          </a:p>
+          <a:p>
+            <a:pPr marL="285750" indent="-285750">
+              <a:buFont typeface="Arial" panose="020B0604020202020204" pitchFamily="34" charset="0"/>
+              <a:buChar char="•"/>
+            </a:pPr>
+            <a:endParaRPr lang="en-US" dirty="0"/>
+          </a:p>
+          <a:p>
+            <a:endParaRPr lang="de-DE" dirty="0"/>
           </a:p>
         </p:txBody>
       </p:sp>
       <p:pic>
         <p:nvPicPr>
-          <p:cNvPr id="6" name="Picture 5">
-            <a:extLst>
-              <a:ext uri="{FF2B5EF4-FFF2-40B4-BE49-F238E27FC236}">
-                <a16:creationId xmlns:a16="http://schemas.microsoft.com/office/drawing/2014/main" id="{509D02B6-B0F8-4C84-A000-8FF237C5B317}"/>
+          <p:cNvPr id="9" name="Picture 8">
+            <a:extLst>
+              <a:ext uri="{FF2B5EF4-FFF2-40B4-BE49-F238E27FC236}">
+                <a16:creationId xmlns:a16="http://schemas.microsoft.com/office/drawing/2014/main" id="{F555925B-25DA-497E-A20A-A3F4A3EF725D}"/>
               </a:ext>
             </a:extLst>
           </p:cNvPr>
@@ -5709,21 +6126,15 @@
           <p:nvPr/>
         </p:nvPicPr>
         <p:blipFill>
-          <a:blip r:embed="rId2">
-            <a:extLst>
-              <a:ext uri="{28A0092B-C50C-407E-A947-70E740481C1C}">
-                <a14:useLocalDpi xmlns:a14="http://schemas.microsoft.com/office/drawing/2010/main" val="0"/>
-              </a:ext>
-            </a:extLst>
-          </a:blip>
+          <a:blip r:embed="rId2"/>
           <a:stretch>
             <a:fillRect/>
           </a:stretch>
         </p:blipFill>
         <p:spPr>
           <a:xfrm>
-            <a:off x="2440836" y="2489205"/>
-            <a:ext cx="7310327" cy="2674124"/>
+            <a:off x="5434241" y="2786115"/>
+            <a:ext cx="6193509" cy="2690973"/>
           </a:xfrm>
           <a:prstGeom prst="rect">
             <a:avLst/>
@@ -5733,7 +6144,7 @@
     </p:spTree>
     <p:extLst>
       <p:ext uri="{BB962C8B-B14F-4D97-AF65-F5344CB8AC3E}">
-        <p14:creationId xmlns:p14="http://schemas.microsoft.com/office/powerpoint/2010/main" val="604963464"/>
+        <p14:creationId xmlns:p14="http://schemas.microsoft.com/office/powerpoint/2010/main" val="2405960746"/>
       </p:ext>
     </p:extLst>
   </p:cSld>
@@ -5796,60 +6207,12 @@
           </a:p>
         </p:txBody>
       </p:sp>
-      <p:sp>
-        <p:nvSpPr>
-          <p:cNvPr id="5" name="TextBox 4">
-            <a:extLst>
-              <a:ext uri="{FF2B5EF4-FFF2-40B4-BE49-F238E27FC236}">
-                <a16:creationId xmlns:a16="http://schemas.microsoft.com/office/drawing/2014/main" id="{FE536E3B-478F-4974-BEE6-BFC1FE78A59B}"/>
-              </a:ext>
-            </a:extLst>
-          </p:cNvPr>
-          <p:cNvSpPr txBox="1"/>
-          <p:nvPr/>
-        </p:nvSpPr>
-        <p:spPr>
-          <a:xfrm>
-            <a:off x="4897809" y="5754961"/>
-            <a:ext cx="2608599" cy="369332"/>
-          </a:xfrm>
-          <a:prstGeom prst="rect">
-            <a:avLst/>
-          </a:prstGeom>
-          <a:noFill/>
-        </p:spPr>
-        <p:txBody>
-          <a:bodyPr wrap="none" rtlCol="0">
-            <a:spAutoFit/>
-          </a:bodyPr>
-          <a:lstStyle/>
-          <a:p>
-            <a:r>
-              <a:rPr lang="de-DE" b="1" dirty="0"/>
-              <a:t>Real-time </a:t>
-            </a:r>
-            <a:r>
-              <a:rPr lang="de-DE" b="1" dirty="0" err="1"/>
-              <a:t>file</a:t>
-            </a:r>
-            <a:r>
-              <a:rPr lang="de-DE" b="1" dirty="0"/>
-              <a:t> </a:t>
-            </a:r>
-            <a:r>
-              <a:rPr lang="de-DE" b="1" dirty="0" err="1"/>
-              <a:t>processing</a:t>
-            </a:r>
-            <a:endParaRPr lang="de-DE" b="1" dirty="0"/>
-          </a:p>
-        </p:txBody>
-      </p:sp>
       <p:pic>
         <p:nvPicPr>
           <p:cNvPr id="4" name="Picture 3">
             <a:extLst>
               <a:ext uri="{FF2B5EF4-FFF2-40B4-BE49-F238E27FC236}">
-                <a16:creationId xmlns:a16="http://schemas.microsoft.com/office/drawing/2014/main" id="{07B9A95D-014A-447F-BE74-5D794BACC942}"/>
+                <a16:creationId xmlns:a16="http://schemas.microsoft.com/office/drawing/2014/main" id="{7235664A-4EDD-4B60-B503-BAD672E54BD6}"/>
               </a:ext>
             </a:extLst>
           </p:cNvPr>
@@ -5872,18 +6235,66 @@
         </p:blipFill>
         <p:spPr>
           <a:xfrm>
-            <a:off x="3216025" y="2439695"/>
-            <a:ext cx="6015130" cy="2562446"/>
+            <a:off x="3134222" y="2441270"/>
+            <a:ext cx="6377102" cy="2247018"/>
           </a:xfrm>
           <a:prstGeom prst="rect">
             <a:avLst/>
           </a:prstGeom>
         </p:spPr>
       </p:pic>
+      <p:sp>
+        <p:nvSpPr>
+          <p:cNvPr id="5" name="TextBox 4">
+            <a:extLst>
+              <a:ext uri="{FF2B5EF4-FFF2-40B4-BE49-F238E27FC236}">
+                <a16:creationId xmlns:a16="http://schemas.microsoft.com/office/drawing/2014/main" id="{FE536E3B-478F-4974-BEE6-BFC1FE78A59B}"/>
+              </a:ext>
+            </a:extLst>
+          </p:cNvPr>
+          <p:cNvSpPr txBox="1"/>
+          <p:nvPr/>
+        </p:nvSpPr>
+        <p:spPr>
+          <a:xfrm>
+            <a:off x="4929763" y="5681990"/>
+            <a:ext cx="2786019" cy="369332"/>
+          </a:xfrm>
+          <a:prstGeom prst="rect">
+            <a:avLst/>
+          </a:prstGeom>
+          <a:noFill/>
+        </p:spPr>
+        <p:txBody>
+          <a:bodyPr wrap="none" rtlCol="0">
+            <a:spAutoFit/>
+          </a:bodyPr>
+          <a:lstStyle/>
+          <a:p>
+            <a:r>
+              <a:rPr lang="de-DE" b="1" dirty="0"/>
+              <a:t>Web </a:t>
+            </a:r>
+            <a:r>
+              <a:rPr lang="de-DE" b="1" dirty="0" err="1"/>
+              <a:t>application</a:t>
+            </a:r>
+            <a:r>
+              <a:rPr lang="de-DE" b="1" dirty="0"/>
+              <a:t> </a:t>
+            </a:r>
+            <a:r>
+              <a:rPr lang="de-DE" b="1" dirty="0" err="1"/>
+              <a:t>backends</a:t>
+            </a:r>
+            <a:endParaRPr lang="de-DE" b="1" dirty="0"/>
+          </a:p>
+        </p:txBody>
+      </p:sp>
     </p:spTree>
     <p:extLst>
       <p:ext uri="{BB962C8B-B14F-4D97-AF65-F5344CB8AC3E}">
-        <p14:creationId xmlns:p14="http://schemas.microsoft.com/office/powerpoint/2010/main" val="2077243435"/>
+        <p14:creationId xmlns:p14="http://schemas.microsoft.com/office/powerpoint/2010/main" val="1497198669"/>
       </p:ext>
     </p:extLst>
   </p:cSld>
@@ -5960,8 +6371,8 @@
         </p:nvSpPr>
         <p:spPr>
           <a:xfrm>
-            <a:off x="4706152" y="5754960"/>
-            <a:ext cx="2991909" cy="369332"/>
+            <a:off x="4897809" y="5754961"/>
+            <a:ext cx="3015954" cy="369332"/>
           </a:xfrm>
           <a:prstGeom prst="rect">
             <a:avLst/>
@@ -5976,11 +6387,19 @@
           <a:p>
             <a:r>
               <a:rPr lang="de-DE" b="1" dirty="0"/>
-              <a:t>Real-time stream </a:t>
+              <a:t>Mobile </a:t>
             </a:r>
             <a:r>
               <a:rPr lang="de-DE" b="1" dirty="0" err="1"/>
-              <a:t>processing</a:t>
+              <a:t>application</a:t>
+            </a:r>
+            <a:r>
+              <a:rPr lang="de-DE" b="1" dirty="0"/>
+              <a:t> </a:t>
+            </a:r>
+            <a:r>
+              <a:rPr lang="de-DE" b="1" dirty="0" err="1"/>
+              <a:t>backends</a:t>
             </a:r>
             <a:endParaRPr lang="de-DE" b="1" dirty="0"/>
           </a:p>
@@ -5991,7 +6410,7 @@
           <p:cNvPr id="6" name="Picture 5">
             <a:extLst>
               <a:ext uri="{FF2B5EF4-FFF2-40B4-BE49-F238E27FC236}">
-                <a16:creationId xmlns:a16="http://schemas.microsoft.com/office/drawing/2014/main" id="{8D5F1FB5-BFB9-4BE9-A270-00FAD7ECB983}"/>
+                <a16:creationId xmlns:a16="http://schemas.microsoft.com/office/drawing/2014/main" id="{509D02B6-B0F8-4C84-A000-8FF237C5B317}"/>
               </a:ext>
             </a:extLst>
           </p:cNvPr>
@@ -6014,8 +6433,8 @@
         </p:blipFill>
         <p:spPr>
           <a:xfrm>
-            <a:off x="3377447" y="2286000"/>
-            <a:ext cx="5437106" cy="2658140"/>
+            <a:off x="2440836" y="2489205"/>
+            <a:ext cx="7310327" cy="2674124"/>
           </a:xfrm>
           <a:prstGeom prst="rect">
             <a:avLst/>
@@ -6025,7 +6444,7 @@
     </p:spTree>
     <p:extLst>
       <p:ext uri="{BB962C8B-B14F-4D97-AF65-F5344CB8AC3E}">
-        <p14:creationId xmlns:p14="http://schemas.microsoft.com/office/powerpoint/2010/main" val="195511572"/>
+        <p14:creationId xmlns:p14="http://schemas.microsoft.com/office/powerpoint/2010/main" val="604963464"/>
       </p:ext>
     </p:extLst>
   </p:cSld>
@@ -6102,8 +6521,8 @@
         </p:nvSpPr>
         <p:spPr>
           <a:xfrm>
-            <a:off x="4706152" y="5754960"/>
-            <a:ext cx="3240439" cy="369332"/>
+            <a:off x="4897809" y="5754961"/>
+            <a:ext cx="2608599" cy="369332"/>
           </a:xfrm>
           <a:prstGeom prst="rect">
             <a:avLst/>
@@ -6118,11 +6537,11 @@
           <a:p>
             <a:r>
               <a:rPr lang="de-DE" b="1" dirty="0"/>
-              <a:t>Automation </a:t>
+              <a:t>Real-time </a:t>
             </a:r>
             <a:r>
               <a:rPr lang="de-DE" b="1" dirty="0" err="1"/>
-              <a:t>of</a:t>
+              <a:t>file</a:t>
             </a:r>
             <a:r>
               <a:rPr lang="de-DE" b="1" dirty="0"/>
@@ -6130,15 +6549,7 @@
             </a:r>
             <a:r>
               <a:rPr lang="de-DE" b="1" dirty="0" err="1"/>
-              <a:t>scheduled</a:t>
-            </a:r>
-            <a:r>
-              <a:rPr lang="de-DE" b="1" dirty="0"/>
-              <a:t> </a:t>
-            </a:r>
-            <a:r>
-              <a:rPr lang="de-DE" b="1" dirty="0" err="1"/>
-              <a:t>tasks</a:t>
+              <a:t>processing</a:t>
             </a:r>
             <a:endParaRPr lang="de-DE" b="1" dirty="0"/>
           </a:p>
@@ -6149,7 +6560,7 @@
           <p:cNvPr id="4" name="Picture 3">
             <a:extLst>
               <a:ext uri="{FF2B5EF4-FFF2-40B4-BE49-F238E27FC236}">
-                <a16:creationId xmlns:a16="http://schemas.microsoft.com/office/drawing/2014/main" id="{A183614A-2DAD-44E3-AC0C-F19414A9EEFF}"/>
+                <a16:creationId xmlns:a16="http://schemas.microsoft.com/office/drawing/2014/main" id="{07B9A95D-014A-447F-BE74-5D794BACC942}"/>
               </a:ext>
             </a:extLst>
           </p:cNvPr>
@@ -6172,8 +6583,8 @@
         </p:blipFill>
         <p:spPr>
           <a:xfrm>
-            <a:off x="3855530" y="2561848"/>
-            <a:ext cx="4480940" cy="2318139"/>
+            <a:off x="3216025" y="2439695"/>
+            <a:ext cx="6015130" cy="2562446"/>
           </a:xfrm>
           <a:prstGeom prst="rect">
             <a:avLst/>
@@ -6183,7 +6594,7 @@
     </p:spTree>
     <p:extLst>
       <p:ext uri="{BB962C8B-B14F-4D97-AF65-F5344CB8AC3E}">
-        <p14:creationId xmlns:p14="http://schemas.microsoft.com/office/powerpoint/2010/main" val="704658632"/>
+        <p14:creationId xmlns:p14="http://schemas.microsoft.com/office/powerpoint/2010/main" val="2077243435"/>
       </p:ext>
     </p:extLst>
   </p:cSld>
@@ -6261,7 +6672,7 @@
         <p:spPr>
           <a:xfrm>
             <a:off x="4706152" y="5754960"/>
-            <a:ext cx="2941639" cy="369332"/>
+            <a:ext cx="2991909" cy="369332"/>
           </a:xfrm>
           <a:prstGeom prst="rect">
             <a:avLst/>
@@ -6275,16 +6686,12 @@
           <a:lstStyle/>
           <a:p>
             <a:r>
+              <a:rPr lang="de-DE" b="1" dirty="0"/>
+              <a:t>Real-time stream </a:t>
+            </a:r>
+            <a:r>
               <a:rPr lang="de-DE" b="1" dirty="0" err="1"/>
-              <a:t>Extending</a:t>
-            </a:r>
-            <a:r>
-              <a:rPr lang="de-DE" b="1" dirty="0"/>
-              <a:t> SaaS </a:t>
-            </a:r>
-            <a:r>
-              <a:rPr lang="de-DE" b="1" dirty="0" err="1"/>
-              <a:t>applications</a:t>
+              <a:t>processing</a:t>
             </a:r>
             <a:endParaRPr lang="de-DE" b="1" dirty="0"/>
           </a:p>
@@ -6295,7 +6702,7 @@
           <p:cNvPr id="6" name="Picture 5">
             <a:extLst>
               <a:ext uri="{FF2B5EF4-FFF2-40B4-BE49-F238E27FC236}">
-                <a16:creationId xmlns:a16="http://schemas.microsoft.com/office/drawing/2014/main" id="{11AC88DE-84BF-4904-95A2-7DDB0CFB756F}"/>
+                <a16:creationId xmlns:a16="http://schemas.microsoft.com/office/drawing/2014/main" id="{8D5F1FB5-BFB9-4BE9-A270-00FAD7ECB983}"/>
               </a:ext>
             </a:extLst>
           </p:cNvPr>
@@ -6318,8 +6725,8 @@
         </p:blipFill>
         <p:spPr>
           <a:xfrm>
-            <a:off x="2674974" y="2542758"/>
-            <a:ext cx="6842051" cy="2356319"/>
+            <a:off x="3377447" y="2286000"/>
+            <a:ext cx="5437106" cy="2658140"/>
           </a:xfrm>
           <a:prstGeom prst="rect">
             <a:avLst/>
@@ -6329,7 +6736,7 @@
     </p:spTree>
     <p:extLst>
       <p:ext uri="{BB962C8B-B14F-4D97-AF65-F5344CB8AC3E}">
-        <p14:creationId xmlns:p14="http://schemas.microsoft.com/office/powerpoint/2010/main" val="1802144846"/>
+        <p14:creationId xmlns:p14="http://schemas.microsoft.com/office/powerpoint/2010/main" val="195511572"/>
       </p:ext>
     </p:extLst>
   </p:cSld>
@@ -6374,7 +6781,7 @@
         </p:nvSpPr>
         <p:spPr>
           <a:xfrm>
-            <a:off x="753139" y="874199"/>
+            <a:off x="965790" y="884832"/>
             <a:ext cx="10515600" cy="802044"/>
           </a:xfrm>
         </p:spPr>
@@ -6386,45 +6793,65 @@
           <a:p>
             <a:pPr algn="ctr"/>
             <a:r>
-              <a:rPr lang="de-DE" sz="3600" dirty="0" err="1"/>
-              <a:t>How</a:t>
-            </a:r>
-            <a:r>
-              <a:rPr lang="de-DE" sz="3600" dirty="0"/>
+              <a:rPr lang="en-US" sz="3600" dirty="0"/>
+              <a:t>What you can do with Functions</a:t>
+            </a:r>
+          </a:p>
+        </p:txBody>
+      </p:sp>
+      <p:sp>
+        <p:nvSpPr>
+          <p:cNvPr id="5" name="TextBox 4">
+            <a:extLst>
+              <a:ext uri="{FF2B5EF4-FFF2-40B4-BE49-F238E27FC236}">
+                <a16:creationId xmlns:a16="http://schemas.microsoft.com/office/drawing/2014/main" id="{FE536E3B-478F-4974-BEE6-BFC1FE78A59B}"/>
+              </a:ext>
+            </a:extLst>
+          </p:cNvPr>
+          <p:cNvSpPr txBox="1"/>
+          <p:nvPr/>
+        </p:nvSpPr>
+        <p:spPr>
+          <a:xfrm>
+            <a:off x="4706152" y="5754960"/>
+            <a:ext cx="3240439" cy="369332"/>
+          </a:xfrm>
+          <a:prstGeom prst="rect">
+            <a:avLst/>
+          </a:prstGeom>
+          <a:noFill/>
+        </p:spPr>
+        <p:txBody>
+          <a:bodyPr wrap="none" rtlCol="0">
+            <a:spAutoFit/>
+          </a:bodyPr>
+          <a:lstStyle/>
+          <a:p>
+            <a:r>
+              <a:rPr lang="de-DE" b="1" dirty="0"/>
+              <a:t>Automation </a:t>
+            </a:r>
+            <a:r>
+              <a:rPr lang="de-DE" b="1" dirty="0" err="1"/>
+              <a:t>of</a:t>
+            </a:r>
+            <a:r>
+              <a:rPr lang="de-DE" b="1" dirty="0"/>
               <a:t> </a:t>
             </a:r>
             <a:r>
-              <a:rPr lang="de-DE" sz="3600" dirty="0" err="1"/>
-              <a:t>to</a:t>
-            </a:r>
-            <a:r>
-              <a:rPr lang="de-DE" sz="3600" dirty="0"/>
+              <a:rPr lang="de-DE" b="1" dirty="0" err="1"/>
+              <a:t>scheduled</a:t>
+            </a:r>
+            <a:r>
+              <a:rPr lang="de-DE" b="1" dirty="0"/>
               <a:t> </a:t>
             </a:r>
             <a:r>
-              <a:rPr lang="de-DE" sz="3600" dirty="0" err="1"/>
-              <a:t>create</a:t>
-            </a:r>
-            <a:r>
-              <a:rPr lang="de-DE" sz="3600" dirty="0"/>
-              <a:t> a </a:t>
-            </a:r>
-            <a:r>
-              <a:rPr lang="de-DE" sz="3600" dirty="0" err="1"/>
-              <a:t>function</a:t>
-            </a:r>
-            <a:r>
-              <a:rPr lang="de-DE" sz="3600" dirty="0"/>
-              <a:t> </a:t>
-            </a:r>
-            <a:r>
-              <a:rPr lang="de-DE" sz="3600" dirty="0" err="1"/>
-              <a:t>app</a:t>
-            </a:r>
-            <a:r>
-              <a:rPr lang="de-DE" sz="3600" dirty="0"/>
-              <a:t>?</a:t>
-            </a:r>
+              <a:rPr lang="de-DE" b="1" dirty="0" err="1"/>
+              <a:t>tasks</a:t>
+            </a:r>
+            <a:endParaRPr lang="de-DE" b="1" dirty="0"/>
           </a:p>
         </p:txBody>
       </p:sp>
@@ -6433,7 +6860,7 @@
           <p:cNvPr id="4" name="Picture 3">
             <a:extLst>
               <a:ext uri="{FF2B5EF4-FFF2-40B4-BE49-F238E27FC236}">
-                <a16:creationId xmlns:a16="http://schemas.microsoft.com/office/drawing/2014/main" id="{A7F8F6E1-CCF6-47EE-A411-89C22ED4E4B9}"/>
+                <a16:creationId xmlns:a16="http://schemas.microsoft.com/office/drawing/2014/main" id="{A183614A-2DAD-44E3-AC0C-F19414A9EEFF}"/>
               </a:ext>
             </a:extLst>
           </p:cNvPr>
@@ -6456,126 +6883,18 @@
         </p:blipFill>
         <p:spPr>
           <a:xfrm>
-            <a:off x="753139" y="2541181"/>
-            <a:ext cx="4953443" cy="3149882"/>
+            <a:off x="3855530" y="2561848"/>
+            <a:ext cx="4480940" cy="2318139"/>
           </a:xfrm>
           <a:prstGeom prst="rect">
             <a:avLst/>
           </a:prstGeom>
         </p:spPr>
       </p:pic>
-      <p:sp>
-        <p:nvSpPr>
-          <p:cNvPr id="5" name="TextBox 4">
-            <a:extLst>
-              <a:ext uri="{FF2B5EF4-FFF2-40B4-BE49-F238E27FC236}">
-                <a16:creationId xmlns:a16="http://schemas.microsoft.com/office/drawing/2014/main" id="{4BF2CC16-0960-4AA5-BDDC-4ACC21C3E2A8}"/>
-              </a:ext>
-            </a:extLst>
-          </p:cNvPr>
-          <p:cNvSpPr txBox="1"/>
-          <p:nvPr/>
-        </p:nvSpPr>
-        <p:spPr>
-          <a:xfrm>
-            <a:off x="2385129" y="5799135"/>
-            <a:ext cx="1413016" cy="369332"/>
-          </a:xfrm>
-          <a:prstGeom prst="rect">
-            <a:avLst/>
-          </a:prstGeom>
-          <a:noFill/>
-        </p:spPr>
-        <p:txBody>
-          <a:bodyPr wrap="none" rtlCol="0">
-            <a:spAutoFit/>
-          </a:bodyPr>
-          <a:lstStyle/>
-          <a:p>
-            <a:r>
-              <a:rPr lang="en-US" dirty="0"/>
-              <a:t>Azure portal</a:t>
-            </a:r>
-            <a:endParaRPr lang="de-DE" dirty="0"/>
-          </a:p>
-        </p:txBody>
-      </p:sp>
-      <p:pic>
-        <p:nvPicPr>
-          <p:cNvPr id="7" name="Picture 6">
-            <a:extLst>
-              <a:ext uri="{FF2B5EF4-FFF2-40B4-BE49-F238E27FC236}">
-                <a16:creationId xmlns:a16="http://schemas.microsoft.com/office/drawing/2014/main" id="{8BCF23E7-789C-4A21-8BF0-7BAAC43DC0FB}"/>
-              </a:ext>
-            </a:extLst>
-          </p:cNvPr>
-          <p:cNvPicPr>
-            <a:picLocks noChangeAspect="1"/>
-          </p:cNvPicPr>
-          <p:nvPr/>
-        </p:nvPicPr>
-        <p:blipFill>
-          <a:blip r:embed="rId3">
-            <a:extLst>
-              <a:ext uri="{28A0092B-C50C-407E-A947-70E740481C1C}">
-                <a14:useLocalDpi xmlns:a14="http://schemas.microsoft.com/office/drawing/2010/main" val="0"/>
-              </a:ext>
-            </a:extLst>
-          </a:blip>
-          <a:stretch>
-            <a:fillRect/>
-          </a:stretch>
-        </p:blipFill>
-        <p:spPr>
-          <a:xfrm>
-            <a:off x="6485420" y="2541181"/>
-            <a:ext cx="4539110" cy="3149882"/>
-          </a:xfrm>
-          <a:prstGeom prst="rect">
-            <a:avLst/>
-          </a:prstGeom>
-        </p:spPr>
-      </p:pic>
-      <p:sp>
-        <p:nvSpPr>
-          <p:cNvPr id="9" name="TextBox 8">
-            <a:extLst>
-              <a:ext uri="{FF2B5EF4-FFF2-40B4-BE49-F238E27FC236}">
-                <a16:creationId xmlns:a16="http://schemas.microsoft.com/office/drawing/2014/main" id="{CE50843E-8AC9-4DB5-99DA-80B86B60A23C}"/>
-              </a:ext>
-            </a:extLst>
-          </p:cNvPr>
-          <p:cNvSpPr txBox="1"/>
-          <p:nvPr/>
-        </p:nvSpPr>
-        <p:spPr>
-          <a:xfrm>
-            <a:off x="7676506" y="5799135"/>
-            <a:ext cx="2156937" cy="369332"/>
-          </a:xfrm>
-          <a:prstGeom prst="rect">
-            <a:avLst/>
-          </a:prstGeom>
-          <a:noFill/>
-        </p:spPr>
-        <p:txBody>
-          <a:bodyPr wrap="none" rtlCol="0">
-            <a:spAutoFit/>
-          </a:bodyPr>
-          <a:lstStyle/>
-          <a:p>
-            <a:r>
-              <a:rPr lang="en-US" dirty="0"/>
-              <a:t>Visual Studio / code</a:t>
-            </a:r>
-            <a:endParaRPr lang="de-DE" dirty="0"/>
-          </a:p>
-        </p:txBody>
-      </p:sp>
     </p:spTree>
     <p:extLst>
       <p:ext uri="{BB962C8B-B14F-4D97-AF65-F5344CB8AC3E}">
-        <p14:creationId xmlns:p14="http://schemas.microsoft.com/office/powerpoint/2010/main" val="1172082712"/>
+        <p14:creationId xmlns:p14="http://schemas.microsoft.com/office/powerpoint/2010/main" val="704658632"/>
       </p:ext>
     </p:extLst>
   </p:cSld>
@@ -6602,12 +6921,92 @@
           <a:chExt cx="0" cy="0"/>
         </a:xfrm>
       </p:grpSpPr>
+      <p:sp>
+        <p:nvSpPr>
+          <p:cNvPr id="2" name="Title 1">
+            <a:extLst>
+              <a:ext uri="{FF2B5EF4-FFF2-40B4-BE49-F238E27FC236}">
+                <a16:creationId xmlns:a16="http://schemas.microsoft.com/office/drawing/2014/main" id="{0F062DD9-F160-483C-A706-E4A5E1B779B4}"/>
+              </a:ext>
+            </a:extLst>
+          </p:cNvPr>
+          <p:cNvSpPr>
+            <a:spLocks noGrp="1"/>
+          </p:cNvSpPr>
+          <p:nvPr>
+            <p:ph type="title"/>
+          </p:nvPr>
+        </p:nvSpPr>
+        <p:spPr>
+          <a:xfrm>
+            <a:off x="965790" y="884832"/>
+            <a:ext cx="10515600" cy="802044"/>
+          </a:xfrm>
+        </p:spPr>
+        <p:txBody>
+          <a:bodyPr>
+            <a:normAutofit/>
+          </a:bodyPr>
+          <a:lstStyle/>
+          <a:p>
+            <a:pPr algn="ctr"/>
+            <a:r>
+              <a:rPr lang="en-US" sz="3600" dirty="0"/>
+              <a:t>What you can do with Functions</a:t>
+            </a:r>
+          </a:p>
+        </p:txBody>
+      </p:sp>
+      <p:sp>
+        <p:nvSpPr>
+          <p:cNvPr id="5" name="TextBox 4">
+            <a:extLst>
+              <a:ext uri="{FF2B5EF4-FFF2-40B4-BE49-F238E27FC236}">
+                <a16:creationId xmlns:a16="http://schemas.microsoft.com/office/drawing/2014/main" id="{FE536E3B-478F-4974-BEE6-BFC1FE78A59B}"/>
+              </a:ext>
+            </a:extLst>
+          </p:cNvPr>
+          <p:cNvSpPr txBox="1"/>
+          <p:nvPr/>
+        </p:nvSpPr>
+        <p:spPr>
+          <a:xfrm>
+            <a:off x="4706152" y="5754960"/>
+            <a:ext cx="2941639" cy="369332"/>
+          </a:xfrm>
+          <a:prstGeom prst="rect">
+            <a:avLst/>
+          </a:prstGeom>
+          <a:noFill/>
+        </p:spPr>
+        <p:txBody>
+          <a:bodyPr wrap="none" rtlCol="0">
+            <a:spAutoFit/>
+          </a:bodyPr>
+          <a:lstStyle/>
+          <a:p>
+            <a:r>
+              <a:rPr lang="de-DE" b="1" dirty="0" err="1"/>
+              <a:t>Extending</a:t>
+            </a:r>
+            <a:r>
+              <a:rPr lang="de-DE" b="1" dirty="0"/>
+              <a:t> SaaS </a:t>
+            </a:r>
+            <a:r>
+              <a:rPr lang="de-DE" b="1" dirty="0" err="1"/>
+              <a:t>applications</a:t>
+            </a:r>
+            <a:endParaRPr lang="de-DE" b="1" dirty="0"/>
+          </a:p>
+        </p:txBody>
+      </p:sp>
       <p:pic>
         <p:nvPicPr>
           <p:cNvPr id="6" name="Picture 5">
             <a:extLst>
               <a:ext uri="{FF2B5EF4-FFF2-40B4-BE49-F238E27FC236}">
-                <a16:creationId xmlns:a16="http://schemas.microsoft.com/office/drawing/2014/main" id="{9C2ACA15-62A0-49C4-A454-0D5C00325C68}"/>
+                <a16:creationId xmlns:a16="http://schemas.microsoft.com/office/drawing/2014/main" id="{11AC88DE-84BF-4904-95A2-7DDB0CFB756F}"/>
               </a:ext>
             </a:extLst>
           </p:cNvPr>
@@ -6630,8 +7029,8 @@
         </p:blipFill>
         <p:spPr>
           <a:xfrm>
-            <a:off x="3995737" y="2762250"/>
-            <a:ext cx="4200525" cy="4095750"/>
+            <a:off x="2674974" y="2542758"/>
+            <a:ext cx="6842051" cy="2356319"/>
           </a:xfrm>
           <a:prstGeom prst="rect">
             <a:avLst/>
@@ -6641,7 +7040,7 @@
     </p:spTree>
     <p:extLst>
       <p:ext uri="{BB962C8B-B14F-4D97-AF65-F5344CB8AC3E}">
-        <p14:creationId xmlns:p14="http://schemas.microsoft.com/office/powerpoint/2010/main" val="352947748"/>
+        <p14:creationId xmlns:p14="http://schemas.microsoft.com/office/powerpoint/2010/main" val="1802144846"/>
       </p:ext>
     </p:extLst>
   </p:cSld>
@@ -6978,27 +7377,794 @@
           <a:p>
             <a:pPr algn="ctr"/>
             <a:r>
-              <a:rPr lang="en-US" sz="3600" dirty="0"/>
-              <a:t>E</a:t>
-            </a:r>
-            <a:r>
               <a:rPr lang="de-DE" sz="3600" dirty="0" err="1"/>
-              <a:t>xample</a:t>
-            </a:r>
-            <a:r>
-              <a:rPr lang="de-DE" sz="3600"/>
-              <a:t> Scenario</a:t>
-            </a:r>
-            <a:endParaRPr lang="de-DE" sz="3600" dirty="0"/>
+              <a:t>How</a:t>
+            </a:r>
+            <a:r>
+              <a:rPr lang="de-DE" sz="3600" dirty="0"/>
+              <a:t> </a:t>
+            </a:r>
+            <a:r>
+              <a:rPr lang="de-DE" sz="3600" dirty="0" err="1"/>
+              <a:t>to</a:t>
+            </a:r>
+            <a:r>
+              <a:rPr lang="de-DE" sz="3600" dirty="0"/>
+              <a:t> </a:t>
+            </a:r>
+            <a:r>
+              <a:rPr lang="de-DE" sz="3600" dirty="0" err="1"/>
+              <a:t>create</a:t>
+            </a:r>
+            <a:r>
+              <a:rPr lang="de-DE" sz="3600" dirty="0"/>
+              <a:t> a </a:t>
+            </a:r>
+            <a:r>
+              <a:rPr lang="de-DE" sz="3600" dirty="0" err="1"/>
+              <a:t>function</a:t>
+            </a:r>
+            <a:r>
+              <a:rPr lang="de-DE" sz="3600" dirty="0"/>
+              <a:t> </a:t>
+            </a:r>
+            <a:r>
+              <a:rPr lang="de-DE" sz="3600" dirty="0" err="1"/>
+              <a:t>app</a:t>
+            </a:r>
+            <a:r>
+              <a:rPr lang="de-DE" sz="3600" dirty="0"/>
+              <a:t>?</a:t>
+            </a:r>
           </a:p>
         </p:txBody>
       </p:sp>
       <p:pic>
         <p:nvPicPr>
-          <p:cNvPr id="3" name="Picture 2">
-            <a:extLst>
-              <a:ext uri="{FF2B5EF4-FFF2-40B4-BE49-F238E27FC236}">
-                <a16:creationId xmlns:a16="http://schemas.microsoft.com/office/drawing/2014/main" id="{FE41A04D-5222-4E7F-89CE-E640CE91A9CA}"/>
+          <p:cNvPr id="4" name="Picture 3">
+            <a:extLst>
+              <a:ext uri="{FF2B5EF4-FFF2-40B4-BE49-F238E27FC236}">
+                <a16:creationId xmlns:a16="http://schemas.microsoft.com/office/drawing/2014/main" id="{A7F8F6E1-CCF6-47EE-A411-89C22ED4E4B9}"/>
+              </a:ext>
+            </a:extLst>
+          </p:cNvPr>
+          <p:cNvPicPr>
+            <a:picLocks noChangeAspect="1"/>
+          </p:cNvPicPr>
+          <p:nvPr/>
+        </p:nvPicPr>
+        <p:blipFill>
+          <a:blip r:embed="rId2">
+            <a:extLst>
+              <a:ext uri="{28A0092B-C50C-407E-A947-70E740481C1C}">
+                <a14:useLocalDpi xmlns:a14="http://schemas.microsoft.com/office/drawing/2010/main" val="0"/>
+              </a:ext>
+            </a:extLst>
+          </a:blip>
+          <a:stretch>
+            <a:fillRect/>
+          </a:stretch>
+        </p:blipFill>
+        <p:spPr>
+          <a:xfrm>
+            <a:off x="940708" y="2356515"/>
+            <a:ext cx="4953443" cy="3149882"/>
+          </a:xfrm>
+          <a:prstGeom prst="rect">
+            <a:avLst/>
+          </a:prstGeom>
+        </p:spPr>
+      </p:pic>
+      <p:sp>
+        <p:nvSpPr>
+          <p:cNvPr id="5" name="TextBox 4">
+            <a:extLst>
+              <a:ext uri="{FF2B5EF4-FFF2-40B4-BE49-F238E27FC236}">
+                <a16:creationId xmlns:a16="http://schemas.microsoft.com/office/drawing/2014/main" id="{4BF2CC16-0960-4AA5-BDDC-4ACC21C3E2A8}"/>
+              </a:ext>
+            </a:extLst>
+          </p:cNvPr>
+          <p:cNvSpPr txBox="1"/>
+          <p:nvPr/>
+        </p:nvSpPr>
+        <p:spPr>
+          <a:xfrm>
+            <a:off x="2572698" y="5614469"/>
+            <a:ext cx="1413016" cy="369332"/>
+          </a:xfrm>
+          <a:prstGeom prst="rect">
+            <a:avLst/>
+          </a:prstGeom>
+          <a:noFill/>
+        </p:spPr>
+        <p:txBody>
+          <a:bodyPr wrap="none" rtlCol="0">
+            <a:spAutoFit/>
+          </a:bodyPr>
+          <a:lstStyle/>
+          <a:p>
+            <a:r>
+              <a:rPr lang="en-US" dirty="0"/>
+              <a:t>Azure portal</a:t>
+            </a:r>
+            <a:endParaRPr lang="de-DE" dirty="0"/>
+          </a:p>
+        </p:txBody>
+      </p:sp>
+      <p:pic>
+        <p:nvPicPr>
+          <p:cNvPr id="7" name="Picture 6">
+            <a:extLst>
+              <a:ext uri="{FF2B5EF4-FFF2-40B4-BE49-F238E27FC236}">
+                <a16:creationId xmlns:a16="http://schemas.microsoft.com/office/drawing/2014/main" id="{8BCF23E7-789C-4A21-8BF0-7BAAC43DC0FB}"/>
+              </a:ext>
+            </a:extLst>
+          </p:cNvPr>
+          <p:cNvPicPr>
+            <a:picLocks noChangeAspect="1"/>
+          </p:cNvPicPr>
+          <p:nvPr/>
+        </p:nvPicPr>
+        <p:blipFill>
+          <a:blip r:embed="rId3">
+            <a:extLst>
+              <a:ext uri="{28A0092B-C50C-407E-A947-70E740481C1C}">
+                <a14:useLocalDpi xmlns:a14="http://schemas.microsoft.com/office/drawing/2010/main" val="0"/>
+              </a:ext>
+            </a:extLst>
+          </a:blip>
+          <a:stretch>
+            <a:fillRect/>
+          </a:stretch>
+        </p:blipFill>
+        <p:spPr>
+          <a:xfrm>
+            <a:off x="6672989" y="2356515"/>
+            <a:ext cx="4539110" cy="3149882"/>
+          </a:xfrm>
+          <a:prstGeom prst="rect">
+            <a:avLst/>
+          </a:prstGeom>
+        </p:spPr>
+      </p:pic>
+      <p:sp>
+        <p:nvSpPr>
+          <p:cNvPr id="9" name="TextBox 8">
+            <a:extLst>
+              <a:ext uri="{FF2B5EF4-FFF2-40B4-BE49-F238E27FC236}">
+                <a16:creationId xmlns:a16="http://schemas.microsoft.com/office/drawing/2014/main" id="{CE50843E-8AC9-4DB5-99DA-80B86B60A23C}"/>
+              </a:ext>
+            </a:extLst>
+          </p:cNvPr>
+          <p:cNvSpPr txBox="1"/>
+          <p:nvPr/>
+        </p:nvSpPr>
+        <p:spPr>
+          <a:xfrm>
+            <a:off x="7864075" y="5614469"/>
+            <a:ext cx="2156937" cy="369332"/>
+          </a:xfrm>
+          <a:prstGeom prst="rect">
+            <a:avLst/>
+          </a:prstGeom>
+          <a:noFill/>
+        </p:spPr>
+        <p:txBody>
+          <a:bodyPr wrap="none" rtlCol="0">
+            <a:spAutoFit/>
+          </a:bodyPr>
+          <a:lstStyle/>
+          <a:p>
+            <a:r>
+              <a:rPr lang="en-US" dirty="0"/>
+              <a:t>Visual Studio / code</a:t>
+            </a:r>
+            <a:endParaRPr lang="de-DE" dirty="0"/>
+          </a:p>
+        </p:txBody>
+      </p:sp>
+    </p:spTree>
+    <p:extLst>
+      <p:ext uri="{BB962C8B-B14F-4D97-AF65-F5344CB8AC3E}">
+        <p14:creationId xmlns:p14="http://schemas.microsoft.com/office/powerpoint/2010/main" val="1172082712"/>
+      </p:ext>
+    </p:extLst>
+  </p:cSld>
+  <p:clrMapOvr>
+    <a:masterClrMapping/>
+  </p:clrMapOvr>
+</p:sld>
+</file>
+
+<file path=ppt/slides/slide21.xml><?xml version="1.0" encoding="utf-8"?>
+<p:sld xmlns:a="http://schemas.openxmlformats.org/drawingml/2006/main" xmlns:r="http://schemas.openxmlformats.org/officeDocument/2006/relationships" xmlns:p="http://schemas.openxmlformats.org/presentationml/2006/main">
+  <p:cSld>
+    <p:spTree>
+      <p:nvGrpSpPr>
+        <p:cNvPr id="1" name=""/>
+        <p:cNvGrpSpPr/>
+        <p:nvPr/>
+      </p:nvGrpSpPr>
+      <p:grpSpPr>
+        <a:xfrm>
+          <a:off x="0" y="0"/>
+          <a:ext cx="0" cy="0"/>
+          <a:chOff x="0" y="0"/>
+          <a:chExt cx="0" cy="0"/>
+        </a:xfrm>
+      </p:grpSpPr>
+      <p:pic>
+        <p:nvPicPr>
+          <p:cNvPr id="6" name="Picture 5">
+            <a:extLst>
+              <a:ext uri="{FF2B5EF4-FFF2-40B4-BE49-F238E27FC236}">
+                <a16:creationId xmlns:a16="http://schemas.microsoft.com/office/drawing/2014/main" id="{9C2ACA15-62A0-49C4-A454-0D5C00325C68}"/>
+              </a:ext>
+            </a:extLst>
+          </p:cNvPr>
+          <p:cNvPicPr>
+            <a:picLocks noChangeAspect="1"/>
+          </p:cNvPicPr>
+          <p:nvPr/>
+        </p:nvPicPr>
+        <p:blipFill>
+          <a:blip r:embed="rId2">
+            <a:extLst>
+              <a:ext uri="{28A0092B-C50C-407E-A947-70E740481C1C}">
+                <a14:useLocalDpi xmlns:a14="http://schemas.microsoft.com/office/drawing/2010/main" val="0"/>
+              </a:ext>
+            </a:extLst>
+          </a:blip>
+          <a:stretch>
+            <a:fillRect/>
+          </a:stretch>
+        </p:blipFill>
+        <p:spPr>
+          <a:xfrm>
+            <a:off x="3995737" y="2762250"/>
+            <a:ext cx="4200525" cy="4095750"/>
+          </a:xfrm>
+          <a:prstGeom prst="rect">
+            <a:avLst/>
+          </a:prstGeom>
+        </p:spPr>
+      </p:pic>
+    </p:spTree>
+    <p:extLst>
+      <p:ext uri="{BB962C8B-B14F-4D97-AF65-F5344CB8AC3E}">
+        <p14:creationId xmlns:p14="http://schemas.microsoft.com/office/powerpoint/2010/main" val="352947748"/>
+      </p:ext>
+    </p:extLst>
+  </p:cSld>
+  <p:clrMapOvr>
+    <a:masterClrMapping/>
+  </p:clrMapOvr>
+</p:sld>
+</file>
+
+<file path=ppt/slides/slide22.xml><?xml version="1.0" encoding="utf-8"?>
+<p:sld xmlns:a="http://schemas.openxmlformats.org/drawingml/2006/main" xmlns:r="http://schemas.openxmlformats.org/officeDocument/2006/relationships" xmlns:p="http://schemas.openxmlformats.org/presentationml/2006/main">
+  <p:cSld>
+    <p:spTree>
+      <p:nvGrpSpPr>
+        <p:cNvPr id="1" name=""/>
+        <p:cNvGrpSpPr/>
+        <p:nvPr/>
+      </p:nvGrpSpPr>
+      <p:grpSpPr>
+        <a:xfrm>
+          <a:off x="0" y="0"/>
+          <a:ext cx="0" cy="0"/>
+          <a:chOff x="0" y="0"/>
+          <a:chExt cx="0" cy="0"/>
+        </a:xfrm>
+      </p:grpSpPr>
+      <p:sp>
+        <p:nvSpPr>
+          <p:cNvPr id="2" name="Title 1">
+            <a:extLst>
+              <a:ext uri="{FF2B5EF4-FFF2-40B4-BE49-F238E27FC236}">
+                <a16:creationId xmlns:a16="http://schemas.microsoft.com/office/drawing/2014/main" id="{0F062DD9-F160-483C-A706-E4A5E1B779B4}"/>
+              </a:ext>
+            </a:extLst>
+          </p:cNvPr>
+          <p:cNvSpPr>
+            <a:spLocks noGrp="1"/>
+          </p:cNvSpPr>
+          <p:nvPr>
+            <p:ph type="title"/>
+          </p:nvPr>
+        </p:nvSpPr>
+        <p:spPr>
+          <a:xfrm>
+            <a:off x="753139" y="874199"/>
+            <a:ext cx="10515600" cy="802044"/>
+          </a:xfrm>
+        </p:spPr>
+        <p:txBody>
+          <a:bodyPr>
+            <a:normAutofit/>
+          </a:bodyPr>
+          <a:lstStyle/>
+          <a:p>
+            <a:pPr algn="ctr"/>
+            <a:r>
+              <a:rPr lang="en-US" sz="3600" dirty="0"/>
+              <a:t>Testing/ </a:t>
+            </a:r>
+            <a:r>
+              <a:rPr lang="en-US" sz="3600" dirty="0" err="1"/>
+              <a:t>debuging</a:t>
+            </a:r>
+            <a:endParaRPr lang="de-DE" sz="3600" dirty="0"/>
+          </a:p>
+        </p:txBody>
+      </p:sp>
+      <p:sp>
+        <p:nvSpPr>
+          <p:cNvPr id="3" name="TextBox 2">
+            <a:extLst>
+              <a:ext uri="{FF2B5EF4-FFF2-40B4-BE49-F238E27FC236}">
+                <a16:creationId xmlns:a16="http://schemas.microsoft.com/office/drawing/2014/main" id="{890FFBB8-D3E8-4BDE-A735-0BD9D4295805}"/>
+              </a:ext>
+            </a:extLst>
+          </p:cNvPr>
+          <p:cNvSpPr txBox="1"/>
+          <p:nvPr/>
+        </p:nvSpPr>
+        <p:spPr>
+          <a:xfrm>
+            <a:off x="5759939" y="2985478"/>
+            <a:ext cx="4592155" cy="1754326"/>
+          </a:xfrm>
+          <a:prstGeom prst="rect">
+            <a:avLst/>
+          </a:prstGeom>
+          <a:noFill/>
+        </p:spPr>
+        <p:txBody>
+          <a:bodyPr wrap="none" rtlCol="0">
+            <a:spAutoFit/>
+          </a:bodyPr>
+          <a:lstStyle/>
+          <a:p>
+            <a:r>
+              <a:rPr lang="en-US" b="1" dirty="0"/>
+              <a:t>Test in Azure Portal</a:t>
+            </a:r>
+            <a:endParaRPr lang="de-DE" b="1" dirty="0"/>
+          </a:p>
+          <a:p>
+            <a:r>
+              <a:rPr lang="de-DE" b="1" dirty="0"/>
+              <a:t>Test </a:t>
+            </a:r>
+            <a:r>
+              <a:rPr lang="de-DE" b="1" dirty="0" err="1"/>
+              <a:t>with</a:t>
+            </a:r>
+            <a:r>
+              <a:rPr lang="de-DE" b="1" dirty="0"/>
+              <a:t> a </a:t>
+            </a:r>
+            <a:r>
+              <a:rPr lang="de-DE" b="1" dirty="0" err="1"/>
+              <a:t>browser</a:t>
+            </a:r>
+            <a:endParaRPr lang="de-DE" b="1" dirty="0"/>
+          </a:p>
+          <a:p>
+            <a:r>
+              <a:rPr lang="de-DE" b="1" dirty="0"/>
+              <a:t>Test </a:t>
+            </a:r>
+            <a:r>
+              <a:rPr lang="de-DE" b="1" dirty="0" err="1"/>
+              <a:t>with</a:t>
+            </a:r>
+            <a:r>
+              <a:rPr lang="de-DE" b="1" dirty="0"/>
+              <a:t> Postman</a:t>
+            </a:r>
+          </a:p>
+          <a:p>
+            <a:r>
+              <a:rPr lang="en-US" b="1" dirty="0"/>
+              <a:t>Test a blob trigger by using Storage Explorer</a:t>
+            </a:r>
+          </a:p>
+          <a:p>
+            <a:r>
+              <a:rPr lang="en-US" b="1" dirty="0"/>
+              <a:t>Test with a timer trigger</a:t>
+            </a:r>
+          </a:p>
+          <a:p>
+            <a:r>
+              <a:rPr lang="en-US" b="1" dirty="0"/>
+              <a:t>Test a function with code</a:t>
+            </a:r>
+          </a:p>
+        </p:txBody>
+      </p:sp>
+      <p:pic>
+        <p:nvPicPr>
+          <p:cNvPr id="6" name="Picture 5">
+            <a:extLst>
+              <a:ext uri="{FF2B5EF4-FFF2-40B4-BE49-F238E27FC236}">
+                <a16:creationId xmlns:a16="http://schemas.microsoft.com/office/drawing/2014/main" id="{3AA9BE86-5101-4BCD-BC97-AFF051A800CE}"/>
+              </a:ext>
+            </a:extLst>
+          </p:cNvPr>
+          <p:cNvPicPr>
+            <a:picLocks noChangeAspect="1"/>
+          </p:cNvPicPr>
+          <p:nvPr/>
+        </p:nvPicPr>
+        <p:blipFill>
+          <a:blip r:embed="rId2">
+            <a:extLst>
+              <a:ext uri="{28A0092B-C50C-407E-A947-70E740481C1C}">
+                <a14:useLocalDpi xmlns:a14="http://schemas.microsoft.com/office/drawing/2010/main" val="0"/>
+              </a:ext>
+            </a:extLst>
+          </a:blip>
+          <a:stretch>
+            <a:fillRect/>
+          </a:stretch>
+        </p:blipFill>
+        <p:spPr>
+          <a:xfrm>
+            <a:off x="972527" y="2572980"/>
+            <a:ext cx="4686995" cy="2579321"/>
+          </a:xfrm>
+          <a:prstGeom prst="rect">
+            <a:avLst/>
+          </a:prstGeom>
+        </p:spPr>
+      </p:pic>
+    </p:spTree>
+    <p:extLst>
+      <p:ext uri="{BB962C8B-B14F-4D97-AF65-F5344CB8AC3E}">
+        <p14:creationId xmlns:p14="http://schemas.microsoft.com/office/powerpoint/2010/main" val="2833458764"/>
+      </p:ext>
+    </p:extLst>
+  </p:cSld>
+  <p:clrMapOvr>
+    <a:masterClrMapping/>
+  </p:clrMapOvr>
+</p:sld>
+</file>
+
+<file path=ppt/slides/slide23.xml><?xml version="1.0" encoding="utf-8"?>
+<p:sld xmlns:a="http://schemas.openxmlformats.org/drawingml/2006/main" xmlns:r="http://schemas.openxmlformats.org/officeDocument/2006/relationships" xmlns:p="http://schemas.openxmlformats.org/presentationml/2006/main">
+  <p:cSld>
+    <p:spTree>
+      <p:nvGrpSpPr>
+        <p:cNvPr id="1" name=""/>
+        <p:cNvGrpSpPr/>
+        <p:nvPr/>
+      </p:nvGrpSpPr>
+      <p:grpSpPr>
+        <a:xfrm>
+          <a:off x="0" y="0"/>
+          <a:ext cx="0" cy="0"/>
+          <a:chOff x="0" y="0"/>
+          <a:chExt cx="0" cy="0"/>
+        </a:xfrm>
+      </p:grpSpPr>
+      <p:sp>
+        <p:nvSpPr>
+          <p:cNvPr id="2" name="Title 1">
+            <a:extLst>
+              <a:ext uri="{FF2B5EF4-FFF2-40B4-BE49-F238E27FC236}">
+                <a16:creationId xmlns:a16="http://schemas.microsoft.com/office/drawing/2014/main" id="{0F062DD9-F160-483C-A706-E4A5E1B779B4}"/>
+              </a:ext>
+            </a:extLst>
+          </p:cNvPr>
+          <p:cNvSpPr>
+            <a:spLocks noGrp="1"/>
+          </p:cNvSpPr>
+          <p:nvPr>
+            <p:ph type="title"/>
+          </p:nvPr>
+        </p:nvSpPr>
+        <p:spPr>
+          <a:xfrm>
+            <a:off x="753139" y="874199"/>
+            <a:ext cx="10515600" cy="802044"/>
+          </a:xfrm>
+        </p:spPr>
+        <p:txBody>
+          <a:bodyPr>
+            <a:normAutofit/>
+          </a:bodyPr>
+          <a:lstStyle/>
+          <a:p>
+            <a:pPr algn="ctr"/>
+            <a:r>
+              <a:rPr lang="en-US" sz="3600" dirty="0"/>
+              <a:t>Deployment</a:t>
+            </a:r>
+            <a:endParaRPr lang="de-DE" sz="3600" dirty="0"/>
+          </a:p>
+        </p:txBody>
+      </p:sp>
+      <p:sp>
+        <p:nvSpPr>
+          <p:cNvPr id="3" name="TextBox 2">
+            <a:extLst>
+              <a:ext uri="{FF2B5EF4-FFF2-40B4-BE49-F238E27FC236}">
+                <a16:creationId xmlns:a16="http://schemas.microsoft.com/office/drawing/2014/main" id="{890FFBB8-D3E8-4BDE-A735-0BD9D4295805}"/>
+              </a:ext>
+            </a:extLst>
+          </p:cNvPr>
+          <p:cNvSpPr txBox="1"/>
+          <p:nvPr/>
+        </p:nvSpPr>
+        <p:spPr>
+          <a:xfrm>
+            <a:off x="1234830" y="2797587"/>
+            <a:ext cx="5201424" cy="3139321"/>
+          </a:xfrm>
+          <a:prstGeom prst="rect">
+            <a:avLst/>
+          </a:prstGeom>
+          <a:noFill/>
+        </p:spPr>
+        <p:txBody>
+          <a:bodyPr wrap="none" rtlCol="0">
+            <a:spAutoFit/>
+          </a:bodyPr>
+          <a:lstStyle/>
+          <a:p>
+            <a:pPr marL="285750" indent="-285750">
+              <a:buFont typeface="Arial" panose="020B0604020202020204" pitchFamily="34" charset="0"/>
+              <a:buChar char="•"/>
+            </a:pPr>
+            <a:r>
+              <a:rPr lang="de-DE" b="1" dirty="0" err="1"/>
+              <a:t>Continuous</a:t>
+            </a:r>
+            <a:r>
+              <a:rPr lang="de-DE" b="1" dirty="0"/>
+              <a:t> </a:t>
+            </a:r>
+            <a:r>
+              <a:rPr lang="de-DE" b="1" dirty="0" err="1"/>
+              <a:t>integration</a:t>
+            </a:r>
+            <a:br>
+              <a:rPr lang="de-DE" dirty="0"/>
+            </a:br>
+            <a:r>
+              <a:rPr lang="de-DE" dirty="0" err="1"/>
+              <a:t>BitBucket</a:t>
+            </a:r>
+            <a:r>
+              <a:rPr lang="de-DE" dirty="0"/>
+              <a:t>, Dropbox, GitHub, and Azure </a:t>
+            </a:r>
+            <a:r>
+              <a:rPr lang="de-DE" dirty="0" err="1"/>
+              <a:t>DevOps</a:t>
+            </a:r>
+            <a:r>
+              <a:rPr lang="de-DE" dirty="0"/>
+              <a:t>.</a:t>
+            </a:r>
+          </a:p>
+          <a:p>
+            <a:pPr marL="285750" indent="-285750">
+              <a:buFont typeface="Arial" panose="020B0604020202020204" pitchFamily="34" charset="0"/>
+              <a:buChar char="•"/>
+            </a:pPr>
+            <a:r>
+              <a:rPr lang="de-DE" b="1" dirty="0"/>
+              <a:t>Zip </a:t>
+            </a:r>
+            <a:r>
+              <a:rPr lang="de-DE" b="1" dirty="0" err="1"/>
+              <a:t>deployment</a:t>
+            </a:r>
+            <a:br>
+              <a:rPr lang="de-DE" b="1" dirty="0"/>
+            </a:br>
+            <a:r>
+              <a:rPr lang="de-DE" dirty="0"/>
+              <a:t>Azure CLI, REST APIs, PowerShell</a:t>
+            </a:r>
+          </a:p>
+          <a:p>
+            <a:pPr marL="285750" indent="-285750">
+              <a:buFont typeface="Arial" panose="020B0604020202020204" pitchFamily="34" charset="0"/>
+              <a:buChar char="•"/>
+            </a:pPr>
+            <a:r>
+              <a:rPr lang="de-DE" b="1" dirty="0" err="1"/>
+              <a:t>package</a:t>
+            </a:r>
+            <a:r>
+              <a:rPr lang="de-DE" b="1" dirty="0"/>
+              <a:t> </a:t>
+            </a:r>
+            <a:r>
+              <a:rPr lang="de-DE" b="1" dirty="0" err="1"/>
+              <a:t>file</a:t>
+            </a:r>
+            <a:endParaRPr lang="de-DE" b="1" dirty="0"/>
+          </a:p>
+          <a:p>
+            <a:pPr marL="285750" indent="-285750">
+              <a:buFont typeface="Arial" panose="020B0604020202020204" pitchFamily="34" charset="0"/>
+              <a:buChar char="•"/>
+            </a:pPr>
+            <a:r>
+              <a:rPr lang="de-DE" b="1" dirty="0" err="1"/>
+              <a:t>Automate</a:t>
+            </a:r>
+            <a:r>
+              <a:rPr lang="de-DE" b="1" dirty="0"/>
+              <a:t> </a:t>
+            </a:r>
+            <a:r>
+              <a:rPr lang="de-DE" b="1" dirty="0" err="1"/>
+              <a:t>resource</a:t>
+            </a:r>
+            <a:r>
+              <a:rPr lang="de-DE" b="1" dirty="0"/>
+              <a:t> </a:t>
+            </a:r>
+            <a:r>
+              <a:rPr lang="de-DE" b="1" dirty="0" err="1"/>
+              <a:t>deployment</a:t>
+            </a:r>
+            <a:r>
+              <a:rPr lang="de-DE" b="1" dirty="0"/>
+              <a:t> </a:t>
+            </a:r>
+          </a:p>
+          <a:p>
+            <a:pPr marL="285750" indent="-285750">
+              <a:buFont typeface="Arial" panose="020B0604020202020204" pitchFamily="34" charset="0"/>
+              <a:buChar char="•"/>
+            </a:pPr>
+            <a:endParaRPr lang="de-DE" b="1" dirty="0"/>
+          </a:p>
+          <a:p>
+            <a:endParaRPr lang="de-DE" dirty="0"/>
+          </a:p>
+          <a:p>
+            <a:pPr marL="285750" indent="-285750">
+              <a:buFont typeface="Arial" panose="020B0604020202020204" pitchFamily="34" charset="0"/>
+              <a:buChar char="•"/>
+            </a:pPr>
+            <a:endParaRPr lang="de-DE" b="1" dirty="0"/>
+          </a:p>
+          <a:p>
+            <a:pPr marL="285750" indent="-285750">
+              <a:buFont typeface="Arial" panose="020B0604020202020204" pitchFamily="34" charset="0"/>
+              <a:buChar char="•"/>
+            </a:pPr>
+            <a:endParaRPr lang="de-DE" b="1" dirty="0"/>
+          </a:p>
+          <a:p>
+            <a:pPr marL="285750" indent="-285750">
+              <a:buFont typeface="Arial" panose="020B0604020202020204" pitchFamily="34" charset="0"/>
+              <a:buChar char="•"/>
+            </a:pPr>
+            <a:endParaRPr lang="en-US" b="1" dirty="0"/>
+          </a:p>
+        </p:txBody>
+      </p:sp>
+      <p:pic>
+        <p:nvPicPr>
+          <p:cNvPr id="5" name="Picture 4">
+            <a:extLst>
+              <a:ext uri="{FF2B5EF4-FFF2-40B4-BE49-F238E27FC236}">
+                <a16:creationId xmlns:a16="http://schemas.microsoft.com/office/drawing/2014/main" id="{51DB58C8-12B7-4787-9B14-1EABFD5CA837}"/>
+              </a:ext>
+            </a:extLst>
+          </p:cNvPr>
+          <p:cNvPicPr>
+            <a:picLocks noChangeAspect="1"/>
+          </p:cNvPicPr>
+          <p:nvPr/>
+        </p:nvPicPr>
+        <p:blipFill>
+          <a:blip r:embed="rId2">
+            <a:extLst>
+              <a:ext uri="{28A0092B-C50C-407E-A947-70E740481C1C}">
+                <a14:useLocalDpi xmlns:a14="http://schemas.microsoft.com/office/drawing/2010/main" val="0"/>
+              </a:ext>
+            </a:extLst>
+          </a:blip>
+          <a:stretch>
+            <a:fillRect/>
+          </a:stretch>
+        </p:blipFill>
+        <p:spPr>
+          <a:xfrm>
+            <a:off x="7713784" y="2571261"/>
+            <a:ext cx="3392836" cy="2417396"/>
+          </a:xfrm>
+          <a:prstGeom prst="rect">
+            <a:avLst/>
+          </a:prstGeom>
+        </p:spPr>
+      </p:pic>
+    </p:spTree>
+    <p:extLst>
+      <p:ext uri="{BB962C8B-B14F-4D97-AF65-F5344CB8AC3E}">
+        <p14:creationId xmlns:p14="http://schemas.microsoft.com/office/powerpoint/2010/main" val="4031201344"/>
+      </p:ext>
+    </p:extLst>
+  </p:cSld>
+  <p:clrMapOvr>
+    <a:masterClrMapping/>
+  </p:clrMapOvr>
+</p:sld>
+</file>
+
+<file path=ppt/slides/slide24.xml><?xml version="1.0" encoding="utf-8"?>
+<p:sld xmlns:a="http://schemas.openxmlformats.org/drawingml/2006/main" xmlns:r="http://schemas.openxmlformats.org/officeDocument/2006/relationships" xmlns:p="http://schemas.openxmlformats.org/presentationml/2006/main">
+  <p:cSld>
+    <p:spTree>
+      <p:nvGrpSpPr>
+        <p:cNvPr id="1" name=""/>
+        <p:cNvGrpSpPr/>
+        <p:nvPr/>
+      </p:nvGrpSpPr>
+      <p:grpSpPr>
+        <a:xfrm>
+          <a:off x="0" y="0"/>
+          <a:ext cx="0" cy="0"/>
+          <a:chOff x="0" y="0"/>
+          <a:chExt cx="0" cy="0"/>
+        </a:xfrm>
+      </p:grpSpPr>
+      <p:sp>
+        <p:nvSpPr>
+          <p:cNvPr id="2" name="Title 1">
+            <a:extLst>
+              <a:ext uri="{FF2B5EF4-FFF2-40B4-BE49-F238E27FC236}">
+                <a16:creationId xmlns:a16="http://schemas.microsoft.com/office/drawing/2014/main" id="{0F062DD9-F160-483C-A706-E4A5E1B779B4}"/>
+              </a:ext>
+            </a:extLst>
+          </p:cNvPr>
+          <p:cNvSpPr>
+            <a:spLocks noGrp="1"/>
+          </p:cNvSpPr>
+          <p:nvPr>
+            <p:ph type="title"/>
+          </p:nvPr>
+        </p:nvSpPr>
+        <p:spPr>
+          <a:xfrm>
+            <a:off x="753139" y="874199"/>
+            <a:ext cx="10515600" cy="802044"/>
+          </a:xfrm>
+        </p:spPr>
+        <p:txBody>
+          <a:bodyPr>
+            <a:normAutofit/>
+          </a:bodyPr>
+          <a:lstStyle/>
+          <a:p>
+            <a:pPr algn="ctr"/>
+            <a:r>
+              <a:rPr lang="de-DE" sz="3600" dirty="0"/>
+              <a:t>Simple Scenario</a:t>
+            </a:r>
+          </a:p>
+        </p:txBody>
+      </p:sp>
+      <p:pic>
+        <p:nvPicPr>
+          <p:cNvPr id="4" name="Picture 3">
+            <a:extLst>
+              <a:ext uri="{FF2B5EF4-FFF2-40B4-BE49-F238E27FC236}">
+                <a16:creationId xmlns:a16="http://schemas.microsoft.com/office/drawing/2014/main" id="{8D5407BE-31C0-4B4A-BB39-4C9E84098770}"/>
               </a:ext>
             </a:extLst>
           </p:cNvPr>
@@ -7015,8 +8181,129 @@
         </p:blipFill>
         <p:spPr>
           <a:xfrm>
-            <a:off x="1367762" y="2248676"/>
-            <a:ext cx="9286353" cy="3285669"/>
+            <a:off x="989427" y="1933106"/>
+            <a:ext cx="9931122" cy="3769454"/>
+          </a:xfrm>
+          <a:prstGeom prst="rect">
+            <a:avLst/>
+          </a:prstGeom>
+        </p:spPr>
+      </p:pic>
+      <p:sp>
+        <p:nvSpPr>
+          <p:cNvPr id="3" name="TextBox 2">
+            <a:extLst>
+              <a:ext uri="{FF2B5EF4-FFF2-40B4-BE49-F238E27FC236}">
+                <a16:creationId xmlns:a16="http://schemas.microsoft.com/office/drawing/2014/main" id="{D21F6051-A74D-4312-98D1-E657E74317C9}"/>
+              </a:ext>
+            </a:extLst>
+          </p:cNvPr>
+          <p:cNvSpPr txBox="1"/>
+          <p:nvPr/>
+        </p:nvSpPr>
+        <p:spPr>
+          <a:xfrm>
+            <a:off x="1547447" y="2272965"/>
+            <a:ext cx="1531815" cy="830997"/>
+          </a:xfrm>
+          <a:prstGeom prst="rect">
+            <a:avLst/>
+          </a:prstGeom>
+          <a:noFill/>
+        </p:spPr>
+        <p:txBody>
+          <a:bodyPr wrap="square" rtlCol="0">
+            <a:spAutoFit/>
+          </a:bodyPr>
+          <a:lstStyle/>
+          <a:p>
+            <a:r>
+              <a:rPr lang="de-DE" sz="1200" dirty="0"/>
+              <a:t>{</a:t>
+            </a:r>
+            <a:br>
+              <a:rPr lang="de-DE" sz="1200" dirty="0"/>
+            </a:br>
+            <a:r>
+              <a:rPr lang="de-DE" sz="1200" dirty="0"/>
+              <a:t>     "ParentTotal":0,</a:t>
+            </a:r>
+            <a:br>
+              <a:rPr lang="de-DE" sz="1200" dirty="0"/>
+            </a:br>
+            <a:r>
+              <a:rPr lang="de-DE" sz="1200" dirty="0"/>
+              <a:t>     "Amount":1</a:t>
+            </a:r>
+          </a:p>
+          <a:p>
+            <a:r>
+              <a:rPr lang="de-DE" sz="1200" dirty="0"/>
+              <a:t>}</a:t>
+            </a:r>
+          </a:p>
+        </p:txBody>
+      </p:sp>
+    </p:spTree>
+    <p:extLst>
+      <p:ext uri="{BB962C8B-B14F-4D97-AF65-F5344CB8AC3E}">
+        <p14:creationId xmlns:p14="http://schemas.microsoft.com/office/powerpoint/2010/main" val="3724159588"/>
+      </p:ext>
+    </p:extLst>
+  </p:cSld>
+  <p:clrMapOvr>
+    <a:masterClrMapping/>
+  </p:clrMapOvr>
+</p:sld>
+</file>
+
+<file path=ppt/slides/slide25.xml><?xml version="1.0" encoding="utf-8"?>
+<p:sld xmlns:a="http://schemas.openxmlformats.org/drawingml/2006/main" xmlns:r="http://schemas.openxmlformats.org/officeDocument/2006/relationships" xmlns:p="http://schemas.openxmlformats.org/presentationml/2006/main">
+  <p:cSld>
+    <p:spTree>
+      <p:nvGrpSpPr>
+        <p:cNvPr id="1" name=""/>
+        <p:cNvGrpSpPr/>
+        <p:nvPr/>
+      </p:nvGrpSpPr>
+      <p:grpSpPr>
+        <a:xfrm>
+          <a:off x="0" y="0"/>
+          <a:ext cx="0" cy="0"/>
+          <a:chOff x="0" y="0"/>
+          <a:chExt cx="0" cy="0"/>
+        </a:xfrm>
+      </p:grpSpPr>
+      <p:pic>
+        <p:nvPicPr>
+          <p:cNvPr id="6" name="Picture 5">
+            <a:extLst>
+              <a:ext uri="{FF2B5EF4-FFF2-40B4-BE49-F238E27FC236}">
+                <a16:creationId xmlns:a16="http://schemas.microsoft.com/office/drawing/2014/main" id="{8536434E-DD10-4A18-A6AE-E236C521336C}"/>
+              </a:ext>
+            </a:extLst>
+          </p:cNvPr>
+          <p:cNvPicPr>
+            <a:picLocks noChangeAspect="1"/>
+          </p:cNvPicPr>
+          <p:nvPr/>
+        </p:nvPicPr>
+        <p:blipFill>
+          <a:blip r:embed="rId2">
+            <a:extLst>
+              <a:ext uri="{28A0092B-C50C-407E-A947-70E740481C1C}">
+                <a14:useLocalDpi xmlns:a14="http://schemas.microsoft.com/office/drawing/2010/main" val="0"/>
+              </a:ext>
+            </a:extLst>
+          </a:blip>
+          <a:stretch>
+            <a:fillRect/>
+          </a:stretch>
+        </p:blipFill>
+        <p:spPr>
+          <a:xfrm>
+            <a:off x="2514600" y="1794980"/>
+            <a:ext cx="6646818" cy="3766530"/>
           </a:xfrm>
           <a:prstGeom prst="rect">
             <a:avLst/>
@@ -7026,7 +8313,7 @@
     </p:spTree>
     <p:extLst>
       <p:ext uri="{BB962C8B-B14F-4D97-AF65-F5344CB8AC3E}">
-        <p14:creationId xmlns:p14="http://schemas.microsoft.com/office/powerpoint/2010/main" val="3724159588"/>
+        <p14:creationId xmlns:p14="http://schemas.microsoft.com/office/powerpoint/2010/main" val="3948925101"/>
       </p:ext>
     </p:extLst>
   </p:cSld>
@@ -7081,7 +8368,7 @@
         </p:blipFill>
         <p:spPr>
           <a:xfrm>
-            <a:off x="2231910" y="1516440"/>
+            <a:off x="4645141" y="2050908"/>
             <a:ext cx="2657856" cy="768096"/>
           </a:xfrm>
           <a:prstGeom prst="rect">
@@ -7117,7 +8404,7 @@
         </p:blipFill>
         <p:spPr>
           <a:xfrm>
-            <a:off x="6096000" y="855121"/>
+            <a:off x="3718151" y="2959681"/>
             <a:ext cx="4511836" cy="1776313"/>
           </a:xfrm>
           <a:prstGeom prst="rect">
@@ -7499,47 +8786,10 @@
             <p:ph type="title"/>
           </p:nvPr>
         </p:nvSpPr>
-        <p:spPr/>
-        <p:txBody>
-          <a:bodyPr/>
-          <a:lstStyle/>
-          <a:p>
-            <a:r>
-              <a:rPr lang="en-US" dirty="0"/>
-              <a:t>Azure Functions (</a:t>
-            </a:r>
-            <a:r>
-              <a:rPr lang="en-US" dirty="0" err="1"/>
-              <a:t>FaaS</a:t>
-            </a:r>
-            <a:r>
-              <a:rPr lang="en-US" dirty="0"/>
-              <a:t>)</a:t>
-            </a:r>
-            <a:endParaRPr lang="de-DE" dirty="0"/>
-          </a:p>
-        </p:txBody>
-      </p:sp>
-      <p:sp>
-        <p:nvSpPr>
-          <p:cNvPr id="3" name="Content Placeholder 2">
-            <a:extLst>
-              <a:ext uri="{FF2B5EF4-FFF2-40B4-BE49-F238E27FC236}">
-                <a16:creationId xmlns:a16="http://schemas.microsoft.com/office/drawing/2014/main" id="{D71C426D-A4FD-4EFE-8E60-62FD2E1B9C38}"/>
-              </a:ext>
-            </a:extLst>
-          </p:cNvPr>
-          <p:cNvSpPr>
-            <a:spLocks noGrp="1"/>
-          </p:cNvSpPr>
-          <p:nvPr>
-            <p:ph sz="half" idx="1"/>
-          </p:nvPr>
-        </p:nvSpPr>
-        <p:spPr>
-          <a:xfrm>
-            <a:off x="6894548" y="2334033"/>
-            <a:ext cx="3810000" cy="3333604"/>
+        <p:spPr>
+          <a:xfrm>
+            <a:off x="2383962" y="2523639"/>
+            <a:ext cx="7424075" cy="1810721"/>
           </a:xfrm>
         </p:spPr>
         <p:txBody>
@@ -7548,195 +8798,70 @@
           </a:bodyPr>
           <a:lstStyle/>
           <a:p>
-            <a:pPr lvl="0"/>
-            <a:r>
-              <a:rPr lang="de-DE" sz="1800" dirty="0" err="1"/>
-              <a:t>Serverless</a:t>
-            </a:r>
-            <a:r>
-              <a:rPr lang="de-DE" sz="1800" dirty="0"/>
-              <a:t> </a:t>
-            </a:r>
-            <a:r>
-              <a:rPr lang="de-DE" sz="1800" dirty="0" err="1"/>
-              <a:t>compute</a:t>
-            </a:r>
-            <a:r>
-              <a:rPr lang="de-DE" sz="1800" dirty="0"/>
-              <a:t> </a:t>
-            </a:r>
-            <a:r>
-              <a:rPr lang="de-DE" sz="1800" dirty="0" err="1"/>
-              <a:t>service</a:t>
-            </a:r>
-            <a:endParaRPr lang="de-DE" sz="1800" dirty="0"/>
-          </a:p>
-          <a:p>
-            <a:pPr lvl="0"/>
-            <a:r>
-              <a:rPr lang="de-DE" sz="1800" dirty="0"/>
-              <a:t>Language </a:t>
-            </a:r>
-            <a:r>
-              <a:rPr lang="de-DE" sz="1800" dirty="0" err="1"/>
-              <a:t>of</a:t>
-            </a:r>
-            <a:r>
-              <a:rPr lang="de-DE" sz="1800" dirty="0"/>
-              <a:t> </a:t>
-            </a:r>
-            <a:r>
-              <a:rPr lang="de-DE" sz="1800" dirty="0" err="1"/>
-              <a:t>your</a:t>
-            </a:r>
-            <a:r>
-              <a:rPr lang="de-DE" sz="1800" dirty="0"/>
-              <a:t> </a:t>
-            </a:r>
-            <a:r>
-              <a:rPr lang="de-DE" sz="1800" dirty="0" err="1"/>
-              <a:t>choice</a:t>
-            </a:r>
-            <a:endParaRPr lang="de-DE" sz="1800" dirty="0"/>
-          </a:p>
-          <a:p>
-            <a:pPr lvl="0"/>
-            <a:r>
-              <a:rPr lang="de-DE" sz="1800" dirty="0"/>
-              <a:t>On </a:t>
-            </a:r>
-            <a:r>
-              <a:rPr lang="de-DE" sz="1800" dirty="0" err="1"/>
-              <a:t>demand</a:t>
-            </a:r>
-            <a:r>
-              <a:rPr lang="de-DE" sz="1800" dirty="0"/>
-              <a:t> </a:t>
-            </a:r>
-            <a:r>
-              <a:rPr lang="de-DE" sz="1800" dirty="0" err="1"/>
-              <a:t>scale</a:t>
-            </a:r>
-            <a:endParaRPr lang="de-DE" sz="1800" dirty="0"/>
-          </a:p>
-          <a:p>
-            <a:pPr lvl="0"/>
-            <a:r>
-              <a:rPr lang="en-US" sz="1800" dirty="0"/>
-              <a:t>Micro billing $</a:t>
-            </a:r>
-            <a:endParaRPr lang="de-DE" sz="1800" dirty="0"/>
-          </a:p>
-          <a:p>
-            <a:pPr lvl="0"/>
-            <a:r>
-              <a:rPr lang="en-US" sz="1800" dirty="0"/>
-              <a:t>Fully managed by azure</a:t>
-            </a:r>
-            <a:endParaRPr lang="de-DE" sz="1800" dirty="0"/>
-          </a:p>
-          <a:p>
-            <a:pPr lvl="0"/>
-            <a:r>
-              <a:rPr lang="en-US" sz="1800" dirty="0"/>
-              <a:t>Processing data (Images, …)</a:t>
-            </a:r>
-            <a:endParaRPr lang="de-DE" sz="1800" dirty="0"/>
-          </a:p>
-          <a:p>
-            <a:pPr lvl="0"/>
-            <a:r>
-              <a:rPr lang="en-US" sz="1800" dirty="0"/>
-              <a:t>Integrating systems</a:t>
-            </a:r>
-            <a:endParaRPr lang="de-DE" sz="1800" dirty="0"/>
-          </a:p>
-          <a:p>
-            <a:pPr lvl="0"/>
-            <a:r>
-              <a:rPr lang="en-US" sz="1800" dirty="0"/>
-              <a:t>IOT solutions</a:t>
-            </a:r>
-            <a:endParaRPr lang="de-DE" sz="1800" dirty="0"/>
-          </a:p>
-        </p:txBody>
-      </p:sp>
-      <p:pic>
-        <p:nvPicPr>
-          <p:cNvPr id="6" name="Picture 5">
-            <a:extLst>
-              <a:ext uri="{FF2B5EF4-FFF2-40B4-BE49-F238E27FC236}">
-                <a16:creationId xmlns:a16="http://schemas.microsoft.com/office/drawing/2014/main" id="{D6808696-12D8-4E07-BB08-37DE991F39D5}"/>
-              </a:ext>
-            </a:extLst>
-          </p:cNvPr>
-          <p:cNvPicPr>
-            <a:picLocks noChangeAspect="1"/>
-          </p:cNvPicPr>
+            <a:r>
+              <a:rPr lang="en-US" sz="3600" dirty="0"/>
+              <a:t>A Serverless solution is one that costs you nothing to run if nobody is using it, </a:t>
+            </a:r>
+            <a:r>
+              <a:rPr lang="en-US" sz="3600" dirty="0">
+                <a:solidFill>
+                  <a:srgbClr val="C00000"/>
+                </a:solidFill>
+              </a:rPr>
+              <a:t>excluding data storage. </a:t>
+            </a:r>
+            <a:endParaRPr lang="de-DE" sz="3600" dirty="0">
+              <a:solidFill>
+                <a:srgbClr val="C00000"/>
+              </a:solidFill>
+            </a:endParaRPr>
+          </a:p>
+        </p:txBody>
+      </p:sp>
+      <p:sp>
+        <p:nvSpPr>
+          <p:cNvPr id="3" name="TextBox 2">
+            <a:extLst>
+              <a:ext uri="{FF2B5EF4-FFF2-40B4-BE49-F238E27FC236}">
+                <a16:creationId xmlns:a16="http://schemas.microsoft.com/office/drawing/2014/main" id="{6A645E94-BAF1-4754-B6D4-ED1893335C6B}"/>
+              </a:ext>
+            </a:extLst>
+          </p:cNvPr>
+          <p:cNvSpPr txBox="1"/>
           <p:nvPr/>
-        </p:nvPicPr>
-        <p:blipFill>
-          <a:blip r:embed="rId2">
-            <a:extLst>
-              <a:ext uri="{28A0092B-C50C-407E-A947-70E740481C1C}">
-                <a14:useLocalDpi xmlns:a14="http://schemas.microsoft.com/office/drawing/2010/main" val="0"/>
-              </a:ext>
-            </a:extLst>
-          </a:blip>
-          <a:stretch>
-            <a:fillRect/>
-          </a:stretch>
-        </p:blipFill>
-        <p:spPr>
-          <a:xfrm>
-            <a:off x="2874629" y="3554507"/>
-            <a:ext cx="3809999" cy="2557462"/>
+        </p:nvSpPr>
+        <p:spPr>
+          <a:xfrm>
+            <a:off x="9206524" y="4251569"/>
+            <a:ext cx="1646797" cy="369332"/>
           </a:xfrm>
           <a:prstGeom prst="rect">
             <a:avLst/>
           </a:prstGeom>
-        </p:spPr>
-      </p:pic>
-      <p:pic>
-        <p:nvPicPr>
-          <p:cNvPr id="8" name="Picture 7">
-            <a:extLst>
-              <a:ext uri="{FF2B5EF4-FFF2-40B4-BE49-F238E27FC236}">
-                <a16:creationId xmlns:a16="http://schemas.microsoft.com/office/drawing/2014/main" id="{81E1C033-F22D-4235-BAB9-794287808D07}"/>
-              </a:ext>
-            </a:extLst>
-          </p:cNvPr>
-          <p:cNvPicPr>
-            <a:picLocks noChangeAspect="1"/>
-          </p:cNvPicPr>
-          <p:nvPr/>
-        </p:nvPicPr>
-        <p:blipFill>
-          <a:blip r:embed="rId3" cstate="print">
-            <a:extLst>
-              <a:ext uri="{28A0092B-C50C-407E-A947-70E740481C1C}">
-                <a14:useLocalDpi xmlns:a14="http://schemas.microsoft.com/office/drawing/2010/main" val="0"/>
-              </a:ext>
-            </a:extLst>
-          </a:blip>
-          <a:stretch>
-            <a:fillRect/>
-          </a:stretch>
-        </p:blipFill>
-        <p:spPr>
-          <a:xfrm>
-            <a:off x="1027133" y="1833301"/>
-            <a:ext cx="3460100" cy="2167534"/>
-          </a:xfrm>
-          <a:prstGeom prst="rect">
-            <a:avLst/>
-          </a:prstGeom>
-        </p:spPr>
-      </p:pic>
+          <a:noFill/>
+        </p:spPr>
+        <p:txBody>
+          <a:bodyPr wrap="none" rtlCol="0">
+            <a:spAutoFit/>
+          </a:bodyPr>
+          <a:lstStyle/>
+          <a:p>
+            <a:r>
+              <a:rPr lang="en-US" dirty="0"/>
+              <a:t>@</a:t>
+            </a:r>
+            <a:r>
+              <a:rPr lang="en-US" dirty="0" err="1"/>
+              <a:t>paulJohnson</a:t>
+            </a:r>
+            <a:endParaRPr lang="de-DE" dirty="0"/>
+          </a:p>
+        </p:txBody>
+      </p:sp>
     </p:spTree>
     <p:extLst>
       <p:ext uri="{BB962C8B-B14F-4D97-AF65-F5344CB8AC3E}">
-        <p14:creationId xmlns:p14="http://schemas.microsoft.com/office/powerpoint/2010/main" val="68217426"/>
+        <p14:creationId xmlns:p14="http://schemas.microsoft.com/office/powerpoint/2010/main" val="1333016961"/>
       </p:ext>
     </p:extLst>
   </p:cSld>
@@ -7779,10 +8904,47 @@
             <p:ph type="title"/>
           </p:nvPr>
         </p:nvSpPr>
-        <p:spPr>
-          <a:xfrm>
-            <a:off x="753139" y="874199"/>
-            <a:ext cx="10515600" cy="802044"/>
+        <p:spPr/>
+        <p:txBody>
+          <a:bodyPr/>
+          <a:lstStyle/>
+          <a:p>
+            <a:r>
+              <a:rPr lang="en-US" dirty="0"/>
+              <a:t>Azure Functions (</a:t>
+            </a:r>
+            <a:r>
+              <a:rPr lang="en-US" dirty="0" err="1"/>
+              <a:t>FaaS</a:t>
+            </a:r>
+            <a:r>
+              <a:rPr lang="en-US" dirty="0"/>
+              <a:t>)</a:t>
+            </a:r>
+            <a:endParaRPr lang="de-DE" dirty="0"/>
+          </a:p>
+        </p:txBody>
+      </p:sp>
+      <p:sp>
+        <p:nvSpPr>
+          <p:cNvPr id="3" name="Content Placeholder 2">
+            <a:extLst>
+              <a:ext uri="{FF2B5EF4-FFF2-40B4-BE49-F238E27FC236}">
+                <a16:creationId xmlns:a16="http://schemas.microsoft.com/office/drawing/2014/main" id="{D71C426D-A4FD-4EFE-8E60-62FD2E1B9C38}"/>
+              </a:ext>
+            </a:extLst>
+          </p:cNvPr>
+          <p:cNvSpPr>
+            <a:spLocks noGrp="1"/>
+          </p:cNvSpPr>
+          <p:nvPr>
+            <p:ph sz="half" idx="1"/>
+          </p:nvPr>
+        </p:nvSpPr>
+        <p:spPr>
+          <a:xfrm>
+            <a:off x="6894548" y="2334033"/>
+            <a:ext cx="3810000" cy="3333604"/>
           </a:xfrm>
         </p:spPr>
         <p:txBody>
@@ -7791,32 +8953,125 @@
           </a:bodyPr>
           <a:lstStyle/>
           <a:p>
-            <a:pPr algn="ctr"/>
-            <a:r>
-              <a:rPr lang="de-DE" sz="3600" dirty="0" err="1"/>
-              <a:t>How</a:t>
-            </a:r>
-            <a:r>
-              <a:rPr lang="de-DE" sz="3600" dirty="0"/>
-              <a:t> Azure </a:t>
-            </a:r>
-            <a:r>
-              <a:rPr lang="de-DE" sz="3600" dirty="0" err="1"/>
-              <a:t>Functions</a:t>
-            </a:r>
-            <a:r>
-              <a:rPr lang="de-DE" sz="3600" dirty="0"/>
-              <a:t> Works</a:t>
-            </a:r>
+            <a:pPr lvl="0"/>
+            <a:r>
+              <a:rPr lang="de-DE" sz="1800" dirty="0" err="1"/>
+              <a:t>Serverless</a:t>
+            </a:r>
+            <a:r>
+              <a:rPr lang="de-DE" sz="1800" dirty="0"/>
+              <a:t> </a:t>
+            </a:r>
+            <a:r>
+              <a:rPr lang="de-DE" sz="1800" dirty="0" err="1"/>
+              <a:t>compute</a:t>
+            </a:r>
+            <a:r>
+              <a:rPr lang="de-DE" sz="1800" dirty="0"/>
+              <a:t> </a:t>
+            </a:r>
+            <a:r>
+              <a:rPr lang="de-DE" sz="1800" dirty="0" err="1"/>
+              <a:t>service</a:t>
+            </a:r>
+            <a:endParaRPr lang="de-DE" sz="1800" dirty="0"/>
+          </a:p>
+          <a:p>
+            <a:pPr lvl="0"/>
+            <a:r>
+              <a:rPr lang="de-DE" sz="1800" dirty="0"/>
+              <a:t>Language </a:t>
+            </a:r>
+            <a:r>
+              <a:rPr lang="de-DE" sz="1800" dirty="0" err="1"/>
+              <a:t>of</a:t>
+            </a:r>
+            <a:r>
+              <a:rPr lang="de-DE" sz="1800" dirty="0"/>
+              <a:t> </a:t>
+            </a:r>
+            <a:r>
+              <a:rPr lang="de-DE" sz="1800" dirty="0" err="1"/>
+              <a:t>your</a:t>
+            </a:r>
+            <a:r>
+              <a:rPr lang="de-DE" sz="1800" dirty="0"/>
+              <a:t> </a:t>
+            </a:r>
+            <a:r>
+              <a:rPr lang="de-DE" sz="1800" dirty="0" err="1"/>
+              <a:t>choice</a:t>
+            </a:r>
+            <a:endParaRPr lang="de-DE" sz="1800" dirty="0"/>
+          </a:p>
+          <a:p>
+            <a:pPr lvl="0"/>
+            <a:r>
+              <a:rPr lang="de-DE" sz="1800" dirty="0"/>
+              <a:t>On </a:t>
+            </a:r>
+            <a:r>
+              <a:rPr lang="de-DE" sz="1800" dirty="0" err="1"/>
+              <a:t>demand</a:t>
+            </a:r>
+            <a:r>
+              <a:rPr lang="de-DE" sz="1800" dirty="0"/>
+              <a:t> </a:t>
+            </a:r>
+            <a:r>
+              <a:rPr lang="de-DE" sz="1800" dirty="0" err="1"/>
+              <a:t>scale</a:t>
+            </a:r>
+            <a:endParaRPr lang="de-DE" sz="1800" dirty="0"/>
+          </a:p>
+          <a:p>
+            <a:pPr lvl="0"/>
+            <a:r>
+              <a:rPr lang="en-US" sz="1800" dirty="0"/>
+              <a:t>Micro billing $</a:t>
+            </a:r>
+            <a:endParaRPr lang="de-DE" sz="1800" dirty="0"/>
+          </a:p>
+          <a:p>
+            <a:pPr lvl="0"/>
+            <a:r>
+              <a:rPr lang="en-US" sz="1800" dirty="0"/>
+              <a:t>Fully managed by azure</a:t>
+            </a:r>
+            <a:endParaRPr lang="de-DE" sz="1800" dirty="0"/>
+          </a:p>
+          <a:p>
+            <a:pPr lvl="0"/>
+            <a:r>
+              <a:rPr lang="en-US" sz="1800" dirty="0"/>
+              <a:t>Processing data (Images, …)</a:t>
+            </a:r>
+            <a:endParaRPr lang="de-DE" sz="1800" dirty="0"/>
+          </a:p>
+          <a:p>
+            <a:pPr lvl="0"/>
+            <a:r>
+              <a:rPr lang="en-US" sz="1800" dirty="0"/>
+              <a:t>Integrating systems</a:t>
+            </a:r>
+            <a:endParaRPr lang="de-DE" sz="1800" dirty="0"/>
+          </a:p>
+          <a:p>
+            <a:pPr lvl="0"/>
+            <a:r>
+              <a:rPr lang="en-US" sz="1800" dirty="0"/>
+              <a:t>IOT solutions</a:t>
+            </a:r>
+            <a:endParaRPr lang="de-DE" sz="1800" dirty="0"/>
           </a:p>
         </p:txBody>
       </p:sp>
       <p:pic>
         <p:nvPicPr>
-          <p:cNvPr id="10" name="Picture 9">
-            <a:extLst>
-              <a:ext uri="{FF2B5EF4-FFF2-40B4-BE49-F238E27FC236}">
-                <a16:creationId xmlns:a16="http://schemas.microsoft.com/office/drawing/2014/main" id="{F71C66B9-ACD3-4DE5-B672-E53538342559}"/>
+          <p:cNvPr id="6" name="Picture 5">
+            <a:extLst>
+              <a:ext uri="{FF2B5EF4-FFF2-40B4-BE49-F238E27FC236}">
+                <a16:creationId xmlns:a16="http://schemas.microsoft.com/office/drawing/2014/main" id="{D6808696-12D8-4E07-BB08-37DE991F39D5}"/>
               </a:ext>
             </a:extLst>
           </p:cNvPr>
@@ -7826,7 +9081,7 @@
           <p:nvPr/>
         </p:nvPicPr>
         <p:blipFill>
-          <a:blip r:embed="rId2" cstate="print">
+          <a:blip r:embed="rId2">
             <a:extLst>
               <a:ext uri="{28A0092B-C50C-407E-A947-70E740481C1C}">
                 <a14:useLocalDpi xmlns:a14="http://schemas.microsoft.com/office/drawing/2010/main" val="0"/>
@@ -7839,8 +9094,44 @@
         </p:blipFill>
         <p:spPr>
           <a:xfrm>
-            <a:off x="2709862" y="2135253"/>
-            <a:ext cx="6602154" cy="3255280"/>
+            <a:off x="2874629" y="3554507"/>
+            <a:ext cx="3809999" cy="2557462"/>
+          </a:xfrm>
+          <a:prstGeom prst="rect">
+            <a:avLst/>
+          </a:prstGeom>
+        </p:spPr>
+      </p:pic>
+      <p:pic>
+        <p:nvPicPr>
+          <p:cNvPr id="8" name="Picture 7">
+            <a:extLst>
+              <a:ext uri="{FF2B5EF4-FFF2-40B4-BE49-F238E27FC236}">
+                <a16:creationId xmlns:a16="http://schemas.microsoft.com/office/drawing/2014/main" id="{81E1C033-F22D-4235-BAB9-794287808D07}"/>
+              </a:ext>
+            </a:extLst>
+          </p:cNvPr>
+          <p:cNvPicPr>
+            <a:picLocks noChangeAspect="1"/>
+          </p:cNvPicPr>
+          <p:nvPr/>
+        </p:nvPicPr>
+        <p:blipFill>
+          <a:blip r:embed="rId3" cstate="print">
+            <a:extLst>
+              <a:ext uri="{28A0092B-C50C-407E-A947-70E740481C1C}">
+                <a14:useLocalDpi xmlns:a14="http://schemas.microsoft.com/office/drawing/2010/main" val="0"/>
+              </a:ext>
+            </a:extLst>
+          </a:blip>
+          <a:stretch>
+            <a:fillRect/>
+          </a:stretch>
+        </p:blipFill>
+        <p:spPr>
+          <a:xfrm>
+            <a:off x="1027133" y="1833301"/>
+            <a:ext cx="3460100" cy="2167534"/>
           </a:xfrm>
           <a:prstGeom prst="rect">
             <a:avLst/>
@@ -7850,7 +9141,7 @@
     </p:spTree>
     <p:extLst>
       <p:ext uri="{BB962C8B-B14F-4D97-AF65-F5344CB8AC3E}">
-        <p14:creationId xmlns:p14="http://schemas.microsoft.com/office/powerpoint/2010/main" val="576351836"/>
+        <p14:creationId xmlns:p14="http://schemas.microsoft.com/office/powerpoint/2010/main" val="68217426"/>
       </p:ext>
     </p:extLst>
   </p:cSld>
@@ -7927,10 +9218,10 @@
       </p:sp>
       <p:pic>
         <p:nvPicPr>
-          <p:cNvPr id="8" name="Picture 7">
-            <a:extLst>
-              <a:ext uri="{FF2B5EF4-FFF2-40B4-BE49-F238E27FC236}">
-                <a16:creationId xmlns:a16="http://schemas.microsoft.com/office/drawing/2014/main" id="{86241328-3EEF-4B63-B3B8-0BD760DA5169}"/>
+          <p:cNvPr id="10" name="Picture 9">
+            <a:extLst>
+              <a:ext uri="{FF2B5EF4-FFF2-40B4-BE49-F238E27FC236}">
+                <a16:creationId xmlns:a16="http://schemas.microsoft.com/office/drawing/2014/main" id="{F71C66B9-ACD3-4DE5-B672-E53538342559}"/>
               </a:ext>
             </a:extLst>
           </p:cNvPr>
@@ -7940,7 +9231,7 @@
           <p:nvPr/>
         </p:nvPicPr>
         <p:blipFill>
-          <a:blip r:embed="rId2">
+          <a:blip r:embed="rId2" cstate="print">
             <a:extLst>
               <a:ext uri="{28A0092B-C50C-407E-A947-70E740481C1C}">
                 <a14:useLocalDpi xmlns:a14="http://schemas.microsoft.com/office/drawing/2010/main" val="0"/>
@@ -7953,8 +9244,8 @@
         </p:blipFill>
         <p:spPr>
           <a:xfrm>
-            <a:off x="2363972" y="2481593"/>
-            <a:ext cx="7464056" cy="2529228"/>
+            <a:off x="2709862" y="2135253"/>
+            <a:ext cx="6602154" cy="3255280"/>
           </a:xfrm>
           <a:prstGeom prst="rect">
             <a:avLst/>
@@ -7964,7 +9255,7 @@
     </p:spTree>
     <p:extLst>
       <p:ext uri="{BB962C8B-B14F-4D97-AF65-F5344CB8AC3E}">
-        <p14:creationId xmlns:p14="http://schemas.microsoft.com/office/powerpoint/2010/main" val="3689715855"/>
+        <p14:creationId xmlns:p14="http://schemas.microsoft.com/office/powerpoint/2010/main" val="576351836"/>
       </p:ext>
     </p:extLst>
   </p:cSld>
